--- a/XYZ Superstore Time Series Model.pptx
+++ b/XYZ Superstore Time Series Model.pptx
@@ -5,7 +5,7 @@
     <p:sldMasterId id="2147483660" r:id="rId4"/>
   </p:sldMasterIdLst>
   <p:notesMasterIdLst>
-    <p:notesMasterId r:id="rId17"/>
+    <p:notesMasterId r:id="rId18"/>
   </p:notesMasterIdLst>
   <p:sldIdLst>
     <p:sldId id="298" r:id="rId5"/>
@@ -14,12 +14,13 @@
     <p:sldId id="303" r:id="rId8"/>
     <p:sldId id="304" r:id="rId9"/>
     <p:sldId id="305" r:id="rId10"/>
-    <p:sldId id="306" r:id="rId11"/>
-    <p:sldId id="307" r:id="rId12"/>
-    <p:sldId id="308" r:id="rId13"/>
-    <p:sldId id="311" r:id="rId14"/>
-    <p:sldId id="309" r:id="rId15"/>
-    <p:sldId id="310" r:id="rId16"/>
+    <p:sldId id="312" r:id="rId11"/>
+    <p:sldId id="306" r:id="rId12"/>
+    <p:sldId id="307" r:id="rId13"/>
+    <p:sldId id="308" r:id="rId14"/>
+    <p:sldId id="311" r:id="rId15"/>
+    <p:sldId id="309" r:id="rId16"/>
+    <p:sldId id="310" r:id="rId17"/>
   </p:sldIdLst>
   <p:sldSz cx="12192000" cy="6858000"/>
   <p:notesSz cx="6858000" cy="9144000"/>
@@ -2778,8 +2779,13 @@
           </a:pPr>
           <a:r>
             <a:rPr lang="en-US" dirty="0"/>
-            <a:t>Understanding sales cycles</a:t>
+            <a:t>Understanding sales </a:t>
           </a:r>
+          <a:r>
+            <a:rPr lang="en-US" dirty="0" err="1"/>
+            <a:t>Seasonalities</a:t>
+          </a:r>
+          <a:endParaRPr lang="en-US" dirty="0"/>
         </a:p>
       </dgm:t>
     </dgm:pt>
@@ -3087,7 +3093,7 @@
   <dgm:whole/>
   <dgm:extLst>
     <a:ext uri="http://schemas.microsoft.com/office/drawing/2008/diagram">
-      <dsp:dataModelExt xmlns:dsp="http://schemas.microsoft.com/office/drawing/2008/diagram" relId="rId6" minVer="http://schemas.openxmlformats.org/drawingml/2006/diagram"/>
+      <dsp:dataModelExt xmlns:dsp="http://schemas.microsoft.com/office/drawing/2008/diagram" relId="rId7" minVer="http://schemas.openxmlformats.org/drawingml/2006/diagram"/>
     </a:ext>
   </dgm:extLst>
 </dgm:dataModel>
@@ -4213,8 +4219,13 @@
           </a:pPr>
           <a:r>
             <a:rPr lang="en-US" sz="1800" kern="1200" dirty="0"/>
-            <a:t>Understanding sales cycles</a:t>
+            <a:t>Understanding sales </a:t>
           </a:r>
+          <a:r>
+            <a:rPr lang="en-US" sz="1800" kern="1200" dirty="0" err="1"/>
+            <a:t>Seasonalities</a:t>
+          </a:r>
+          <a:endParaRPr lang="en-US" sz="1800" kern="1200" dirty="0"/>
         </a:p>
       </dsp:txBody>
       <dsp:txXfrm>
@@ -9808,44 +9819,7 @@
           <a:bodyPr/>
           <a:lstStyle/>
           <a:p>
-            <a:r>
-              <a:rPr lang="en-US" dirty="0"/>
-              <a:t>Frame the problem: Identify business priorities and make strategic decisions that will lead my work</a:t>
-            </a:r>
-          </a:p>
-          <a:p>
-            <a:r>
-              <a:rPr lang="en-US" dirty="0"/>
-              <a:t>Collect raw data: Extract data from the database provided.</a:t>
-            </a:r>
-          </a:p>
-          <a:p>
-            <a:r>
-              <a:rPr lang="en-US" dirty="0"/>
-              <a:t>Process the Data: Understand the data and proceed to clean it. </a:t>
-            </a:r>
-          </a:p>
-          <a:p>
-            <a:r>
-              <a:rPr lang="en-US" dirty="0"/>
-              <a:t>Explore the data: Split the data in different ways and use statistics to test and create visualizations to interpret data</a:t>
-            </a:r>
-          </a:p>
-          <a:p>
-            <a:r>
-              <a:rPr lang="en-US" dirty="0"/>
-              <a:t>Train and Evaluate Models: Create Time Series Models to predict future sales numbers.</a:t>
-            </a:r>
-          </a:p>
-          <a:p>
-            <a:r>
-              <a:rPr lang="en-US" dirty="0"/>
-              <a:t>Communicate Results: Explain findings with visualizations created before. Present findings. </a:t>
-            </a:r>
-            <a:endParaRPr lang="en-GB" dirty="0"/>
-          </a:p>
-          <a:p>
-            <a:endParaRPr lang="en-GB" dirty="0"/>
+            <a:endParaRPr lang="en-GB"/>
           </a:p>
         </p:txBody>
       </p:sp>
@@ -9866,7 +9840,7 @@
           <a:p>
             <a:fld id="{381A0358-3C03-4F28-AB3F-5908D98D96C0}" type="slidenum">
               <a:rPr lang="en-GB" smtClean="0"/>
-              <a:t>4</a:t>
+              <a:t>1</a:t>
             </a:fld>
             <a:endParaRPr lang="en-GB"/>
           </a:p>
@@ -9875,7 +9849,7 @@
     </p:spTree>
     <p:extLst>
       <p:ext uri="{BB962C8B-B14F-4D97-AF65-F5344CB8AC3E}">
-        <p14:creationId xmlns:p14="http://schemas.microsoft.com/office/powerpoint/2010/main" val="414244364"/>
+        <p14:creationId xmlns:p14="http://schemas.microsoft.com/office/powerpoint/2010/main" val="2357269212"/>
       </p:ext>
     </p:extLst>
   </p:cSld>
@@ -9885,293 +9859,7 @@
 </p:notes>
 </file>
 
-<file path=ppt/notesSlides/notesSlide2.xml><?xml version="1.0" encoding="utf-8"?>
-<p:notes xmlns:a="http://schemas.openxmlformats.org/drawingml/2006/main" xmlns:r="http://schemas.openxmlformats.org/officeDocument/2006/relationships" xmlns:p="http://schemas.openxmlformats.org/presentationml/2006/main">
-  <p:cSld>
-    <p:spTree>
-      <p:nvGrpSpPr>
-        <p:cNvPr id="1" name=""/>
-        <p:cNvGrpSpPr/>
-        <p:nvPr/>
-      </p:nvGrpSpPr>
-      <p:grpSpPr>
-        <a:xfrm>
-          <a:off x="0" y="0"/>
-          <a:ext cx="0" cy="0"/>
-          <a:chOff x="0" y="0"/>
-          <a:chExt cx="0" cy="0"/>
-        </a:xfrm>
-      </p:grpSpPr>
-      <p:sp>
-        <p:nvSpPr>
-          <p:cNvPr id="2" name="Slide Image Placeholder 1"/>
-          <p:cNvSpPr>
-            <a:spLocks noGrp="1" noRot="1" noChangeAspect="1"/>
-          </p:cNvSpPr>
-          <p:nvPr>
-            <p:ph type="sldImg"/>
-          </p:nvPr>
-        </p:nvSpPr>
-        <p:spPr/>
-      </p:sp>
-      <p:sp>
-        <p:nvSpPr>
-          <p:cNvPr id="3" name="Notes Placeholder 2"/>
-          <p:cNvSpPr>
-            <a:spLocks noGrp="1"/>
-          </p:cNvSpPr>
-          <p:nvPr>
-            <p:ph type="body" idx="1"/>
-          </p:nvPr>
-        </p:nvSpPr>
-        <p:spPr/>
-        <p:txBody>
-          <a:bodyPr/>
-          <a:lstStyle/>
-          <a:p>
-            <a:r>
-              <a:rPr lang="en-US" dirty="0"/>
-              <a:t>T</a:t>
-            </a:r>
-            <a:r>
-              <a:rPr lang="en-GB" dirty="0"/>
-              <a:t>here are more than 9,000 sales data entries in this dataset. There were 21 features in this dataset, however for Time series analysis we only need two, in this case Order Date and Sales. </a:t>
-            </a:r>
-          </a:p>
-          <a:p>
-            <a:r>
-              <a:rPr lang="en-GB" dirty="0"/>
-              <a:t>Cleaning the data was different in here. There is the obvious data cleaning procedure, such as missing values. The more complex are as follow. Changing the index of the data to be Order Date.</a:t>
-            </a:r>
-          </a:p>
-          <a:p>
-            <a:r>
-              <a:rPr lang="en-GB" dirty="0"/>
-              <a:t>Aggregation is another thing that needed to be done here, grouping sales by month. </a:t>
-            </a:r>
-            <a:endParaRPr lang="en-US" dirty="0"/>
-          </a:p>
-        </p:txBody>
-      </p:sp>
-      <p:sp>
-        <p:nvSpPr>
-          <p:cNvPr id="4" name="Slide Number Placeholder 3"/>
-          <p:cNvSpPr>
-            <a:spLocks noGrp="1"/>
-          </p:cNvSpPr>
-          <p:nvPr>
-            <p:ph type="sldNum" sz="quarter" idx="5"/>
-          </p:nvPr>
-        </p:nvSpPr>
-        <p:spPr/>
-        <p:txBody>
-          <a:bodyPr/>
-          <a:lstStyle/>
-          <a:p>
-            <a:fld id="{381A0358-3C03-4F28-AB3F-5908D98D96C0}" type="slidenum">
-              <a:rPr lang="en-GB" smtClean="0"/>
-              <a:t>5</a:t>
-            </a:fld>
-            <a:endParaRPr lang="en-GB"/>
-          </a:p>
-        </p:txBody>
-      </p:sp>
-    </p:spTree>
-    <p:extLst>
-      <p:ext uri="{BB962C8B-B14F-4D97-AF65-F5344CB8AC3E}">
-        <p14:creationId xmlns:p14="http://schemas.microsoft.com/office/powerpoint/2010/main" val="88192333"/>
-      </p:ext>
-    </p:extLst>
-  </p:cSld>
-  <p:clrMapOvr>
-    <a:masterClrMapping/>
-  </p:clrMapOvr>
-</p:notes>
-</file>
-
-<file path=ppt/notesSlides/notesSlide3.xml><?xml version="1.0" encoding="utf-8"?>
-<p:notes xmlns:a="http://schemas.openxmlformats.org/drawingml/2006/main" xmlns:r="http://schemas.openxmlformats.org/officeDocument/2006/relationships" xmlns:p="http://schemas.openxmlformats.org/presentationml/2006/main">
-  <p:cSld>
-    <p:spTree>
-      <p:nvGrpSpPr>
-        <p:cNvPr id="1" name=""/>
-        <p:cNvGrpSpPr/>
-        <p:nvPr/>
-      </p:nvGrpSpPr>
-      <p:grpSpPr>
-        <a:xfrm>
-          <a:off x="0" y="0"/>
-          <a:ext cx="0" cy="0"/>
-          <a:chOff x="0" y="0"/>
-          <a:chExt cx="0" cy="0"/>
-        </a:xfrm>
-      </p:grpSpPr>
-      <p:sp>
-        <p:nvSpPr>
-          <p:cNvPr id="2" name="Slide Image Placeholder 1"/>
-          <p:cNvSpPr>
-            <a:spLocks noGrp="1" noRot="1" noChangeAspect="1"/>
-          </p:cNvSpPr>
-          <p:nvPr>
-            <p:ph type="sldImg"/>
-          </p:nvPr>
-        </p:nvSpPr>
-        <p:spPr/>
-      </p:sp>
-      <p:sp>
-        <p:nvSpPr>
-          <p:cNvPr id="3" name="Notes Placeholder 2"/>
-          <p:cNvSpPr>
-            <a:spLocks noGrp="1"/>
-          </p:cNvSpPr>
-          <p:nvPr>
-            <p:ph type="body" idx="1"/>
-          </p:nvPr>
-        </p:nvSpPr>
-        <p:spPr/>
-        <p:txBody>
-          <a:bodyPr/>
-          <a:lstStyle/>
-          <a:p>
-            <a:r>
-              <a:rPr lang="en-US" dirty="0"/>
-              <a:t>Using the heatmap graph, we can appreciate that there is a year seasonality pattern. For furniture, during the months of August, October and November there is an increase of sales. There is a massive decrease of sales during September. </a:t>
-            </a:r>
-          </a:p>
-          <a:p>
-            <a:r>
-              <a:rPr lang="en-GB" dirty="0"/>
-              <a:t>For Office Supplies, sales are more constant, there are more sales overall throughout the year. However, months August, October and November are also notably higher.</a:t>
-            </a:r>
-            <a:endParaRPr lang="en-US" dirty="0"/>
-          </a:p>
-        </p:txBody>
-      </p:sp>
-      <p:sp>
-        <p:nvSpPr>
-          <p:cNvPr id="4" name="Slide Number Placeholder 3"/>
-          <p:cNvSpPr>
-            <a:spLocks noGrp="1"/>
-          </p:cNvSpPr>
-          <p:nvPr>
-            <p:ph type="sldNum" sz="quarter" idx="5"/>
-          </p:nvPr>
-        </p:nvSpPr>
-        <p:spPr/>
-        <p:txBody>
-          <a:bodyPr/>
-          <a:lstStyle/>
-          <a:p>
-            <a:fld id="{381A0358-3C03-4F28-AB3F-5908D98D96C0}" type="slidenum">
-              <a:rPr lang="en-GB" smtClean="0"/>
-              <a:t>6</a:t>
-            </a:fld>
-            <a:endParaRPr lang="en-GB"/>
-          </a:p>
-        </p:txBody>
-      </p:sp>
-    </p:spTree>
-    <p:extLst>
-      <p:ext uri="{BB962C8B-B14F-4D97-AF65-F5344CB8AC3E}">
-        <p14:creationId xmlns:p14="http://schemas.microsoft.com/office/powerpoint/2010/main" val="3154609855"/>
-      </p:ext>
-    </p:extLst>
-  </p:cSld>
-  <p:clrMapOvr>
-    <a:masterClrMapping/>
-  </p:clrMapOvr>
-</p:notes>
-</file>
-
-<file path=ppt/notesSlides/notesSlide4.xml><?xml version="1.0" encoding="utf-8"?>
-<p:notes xmlns:a="http://schemas.openxmlformats.org/drawingml/2006/main" xmlns:r="http://schemas.openxmlformats.org/officeDocument/2006/relationships" xmlns:p="http://schemas.openxmlformats.org/presentationml/2006/main">
-  <p:cSld>
-    <p:spTree>
-      <p:nvGrpSpPr>
-        <p:cNvPr id="1" name=""/>
-        <p:cNvGrpSpPr/>
-        <p:nvPr/>
-      </p:nvGrpSpPr>
-      <p:grpSpPr>
-        <a:xfrm>
-          <a:off x="0" y="0"/>
-          <a:ext cx="0" cy="0"/>
-          <a:chOff x="0" y="0"/>
-          <a:chExt cx="0" cy="0"/>
-        </a:xfrm>
-      </p:grpSpPr>
-      <p:sp>
-        <p:nvSpPr>
-          <p:cNvPr id="2" name="Slide Image Placeholder 1"/>
-          <p:cNvSpPr>
-            <a:spLocks noGrp="1" noRot="1" noChangeAspect="1"/>
-          </p:cNvSpPr>
-          <p:nvPr>
-            <p:ph type="sldImg"/>
-          </p:nvPr>
-        </p:nvSpPr>
-        <p:spPr/>
-      </p:sp>
-      <p:sp>
-        <p:nvSpPr>
-          <p:cNvPr id="3" name="Notes Placeholder 2"/>
-          <p:cNvSpPr>
-            <a:spLocks noGrp="1"/>
-          </p:cNvSpPr>
-          <p:nvPr>
-            <p:ph type="body" idx="1"/>
-          </p:nvPr>
-        </p:nvSpPr>
-        <p:spPr/>
-        <p:txBody>
-          <a:bodyPr/>
-          <a:lstStyle/>
-          <a:p>
-            <a:r>
-              <a:rPr lang="en-US" dirty="0"/>
-              <a:t>Predictions are quite close to the actual number. As with any time series model the prediction will not be 100% accurate. However, based on both graphs we can see that the predicted models do show the year seasonality.  </a:t>
-            </a:r>
-            <a:endParaRPr lang="en-GB" dirty="0"/>
-          </a:p>
-        </p:txBody>
-      </p:sp>
-      <p:sp>
-        <p:nvSpPr>
-          <p:cNvPr id="4" name="Slide Number Placeholder 3"/>
-          <p:cNvSpPr>
-            <a:spLocks noGrp="1"/>
-          </p:cNvSpPr>
-          <p:nvPr>
-            <p:ph type="sldNum" sz="quarter" idx="5"/>
-          </p:nvPr>
-        </p:nvSpPr>
-        <p:spPr/>
-        <p:txBody>
-          <a:bodyPr/>
-          <a:lstStyle/>
-          <a:p>
-            <a:fld id="{381A0358-3C03-4F28-AB3F-5908D98D96C0}" type="slidenum">
-              <a:rPr lang="en-GB" smtClean="0"/>
-              <a:t>7</a:t>
-            </a:fld>
-            <a:endParaRPr lang="en-GB"/>
-          </a:p>
-        </p:txBody>
-      </p:sp>
-    </p:spTree>
-    <p:extLst>
-      <p:ext uri="{BB962C8B-B14F-4D97-AF65-F5344CB8AC3E}">
-        <p14:creationId xmlns:p14="http://schemas.microsoft.com/office/powerpoint/2010/main" val="2639838094"/>
-      </p:ext>
-    </p:extLst>
-  </p:cSld>
-  <p:clrMapOvr>
-    <a:masterClrMapping/>
-  </p:clrMapOvr>
-</p:notes>
-</file>
-
-<file path=ppt/notesSlides/notesSlide5.xml><?xml version="1.0" encoding="utf-8"?>
+<file path=ppt/notesSlides/notesSlide10.xml><?xml version="1.0" encoding="utf-8"?>
 <p:notes xmlns:a="http://schemas.openxmlformats.org/drawingml/2006/main" xmlns:r="http://schemas.openxmlformats.org/officeDocument/2006/relationships" xmlns:p="http://schemas.openxmlformats.org/presentationml/2006/main">
   <p:cSld>
     <p:spTree>
@@ -10224,14 +9912,12 @@
                 <a:effectLst/>
                 <a:latin typeface="Helvetica Neue"/>
               </a:rPr>
-              <a:t>Recommendations for furniture, August and December are the months where sales spike up dramatically. This indicates that:</a:t>
+              <a:t>Recommendations for the office supplies department, during the months of </a:t>
             </a:r>
-          </a:p>
-          <a:p>
-            <a:pPr algn="l">
-              <a:buFont typeface="Arial" panose="020B0604020202020204" pitchFamily="34" charset="0"/>
-              <a:buChar char="•"/>
-            </a:pPr>
+            <a:r>
+              <a:rPr lang="en-US" dirty="0"/>
+              <a:t>September, October and December</a:t>
+            </a:r>
             <a:r>
               <a:rPr lang="en-US" b="0" i="0" dirty="0">
                 <a:solidFill>
@@ -10240,136 +9926,7 @@
                 <a:effectLst/>
                 <a:latin typeface="Helvetica Neue"/>
               </a:rPr>
-              <a:t>A minimum personnel is to be maintained throughout these months, perhaps even increasing workforce.</a:t>
-            </a:r>
-          </a:p>
-          <a:p>
-            <a:pPr algn="l">
-              <a:buFont typeface="Arial" panose="020B0604020202020204" pitchFamily="34" charset="0"/>
-              <a:buChar char="•"/>
-            </a:pPr>
-            <a:r>
-              <a:rPr lang="en-US" b="0" i="0" dirty="0">
-                <a:solidFill>
-                  <a:srgbClr val="000000"/>
-                </a:solidFill>
-                <a:effectLst/>
-                <a:latin typeface="Helvetica Neue"/>
-              </a:rPr>
-              <a:t>Increasing stock this month is also recommended as sales will increase .</a:t>
-            </a:r>
-          </a:p>
-          <a:p>
-            <a:pPr algn="l">
-              <a:buFont typeface="Arial" panose="020B0604020202020204" pitchFamily="34" charset="0"/>
-              <a:buChar char="•"/>
-            </a:pPr>
-            <a:r>
-              <a:rPr lang="en-US" b="0" i="0" dirty="0">
-                <a:solidFill>
-                  <a:srgbClr val="000000"/>
-                </a:solidFill>
-                <a:effectLst/>
-                <a:latin typeface="Helvetica Neue"/>
-              </a:rPr>
-              <a:t>January to May are quiet months therefore personnel can be redirected to different departments.</a:t>
-            </a:r>
-          </a:p>
-          <a:p>
-            <a:endParaRPr lang="en-GB" dirty="0"/>
-          </a:p>
-        </p:txBody>
-      </p:sp>
-      <p:sp>
-        <p:nvSpPr>
-          <p:cNvPr id="4" name="Slide Number Placeholder 3"/>
-          <p:cNvSpPr>
-            <a:spLocks noGrp="1"/>
-          </p:cNvSpPr>
-          <p:nvPr>
-            <p:ph type="sldNum" sz="quarter" idx="5"/>
-          </p:nvPr>
-        </p:nvSpPr>
-        <p:spPr/>
-        <p:txBody>
-          <a:bodyPr/>
-          <a:lstStyle/>
-          <a:p>
-            <a:fld id="{381A0358-3C03-4F28-AB3F-5908D98D96C0}" type="slidenum">
-              <a:rPr lang="en-GB" smtClean="0"/>
-              <a:t>8</a:t>
-            </a:fld>
-            <a:endParaRPr lang="en-GB"/>
-          </a:p>
-        </p:txBody>
-      </p:sp>
-    </p:spTree>
-    <p:extLst>
-      <p:ext uri="{BB962C8B-B14F-4D97-AF65-F5344CB8AC3E}">
-        <p14:creationId xmlns:p14="http://schemas.microsoft.com/office/powerpoint/2010/main" val="3776922615"/>
-      </p:ext>
-    </p:extLst>
-  </p:cSld>
-  <p:clrMapOvr>
-    <a:masterClrMapping/>
-  </p:clrMapOvr>
-</p:notes>
-</file>
-
-<file path=ppt/notesSlides/notesSlide6.xml><?xml version="1.0" encoding="utf-8"?>
-<p:notes xmlns:a="http://schemas.openxmlformats.org/drawingml/2006/main" xmlns:r="http://schemas.openxmlformats.org/officeDocument/2006/relationships" xmlns:p="http://schemas.openxmlformats.org/presentationml/2006/main">
-  <p:cSld>
-    <p:spTree>
-      <p:nvGrpSpPr>
-        <p:cNvPr id="1" name=""/>
-        <p:cNvGrpSpPr/>
-        <p:nvPr/>
-      </p:nvGrpSpPr>
-      <p:grpSpPr>
-        <a:xfrm>
-          <a:off x="0" y="0"/>
-          <a:ext cx="0" cy="0"/>
-          <a:chOff x="0" y="0"/>
-          <a:chExt cx="0" cy="0"/>
-        </a:xfrm>
-      </p:grpSpPr>
-      <p:sp>
-        <p:nvSpPr>
-          <p:cNvPr id="2" name="Slide Image Placeholder 1"/>
-          <p:cNvSpPr>
-            <a:spLocks noGrp="1" noRot="1" noChangeAspect="1"/>
-          </p:cNvSpPr>
-          <p:nvPr>
-            <p:ph type="sldImg"/>
-          </p:nvPr>
-        </p:nvSpPr>
-        <p:spPr/>
-      </p:sp>
-      <p:sp>
-        <p:nvSpPr>
-          <p:cNvPr id="3" name="Notes Placeholder 2"/>
-          <p:cNvSpPr>
-            <a:spLocks noGrp="1"/>
-          </p:cNvSpPr>
-          <p:nvPr>
-            <p:ph type="body" idx="1"/>
-          </p:nvPr>
-        </p:nvSpPr>
-        <p:spPr/>
-        <p:txBody>
-          <a:bodyPr/>
-          <a:lstStyle/>
-          <a:p>
-            <a:pPr algn="l"/>
-            <a:r>
-              <a:rPr lang="en-US" b="0" i="0" dirty="0">
-                <a:solidFill>
-                  <a:srgbClr val="000000"/>
-                </a:solidFill>
-                <a:effectLst/>
-                <a:latin typeface="Helvetica Neue"/>
-              </a:rPr>
-              <a:t>Recommendations for the office supplies department, during the months of November and December the sales increase dramatically. Therefore, it is recommended:</a:t>
+              <a:t> the sales increase dramatically. Therefore, it is recommended:</a:t>
             </a:r>
           </a:p>
           <a:p>
@@ -10482,7 +10039,7 @@
           <a:p>
             <a:fld id="{381A0358-3C03-4F28-AB3F-5908D98D96C0}" type="slidenum">
               <a:rPr lang="en-GB" smtClean="0"/>
-              <a:t>9</a:t>
+              <a:t>10</a:t>
             </a:fld>
             <a:endParaRPr lang="en-GB"/>
           </a:p>
@@ -10501,7 +10058,7 @@
 </p:notes>
 </file>
 
-<file path=ppt/notesSlides/notesSlide7.xml><?xml version="1.0" encoding="utf-8"?>
+<file path=ppt/notesSlides/notesSlide11.xml><?xml version="1.0" encoding="utf-8"?>
 <p:notes xmlns:a="http://schemas.openxmlformats.org/drawingml/2006/main" xmlns:r="http://schemas.openxmlformats.org/officeDocument/2006/relationships" xmlns:p="http://schemas.openxmlformats.org/presentationml/2006/main">
   <p:cSld>
     <p:spTree>
@@ -10570,7 +10127,7 @@
           <a:p>
             <a:fld id="{381A0358-3C03-4F28-AB3F-5908D98D96C0}" type="slidenum">
               <a:rPr lang="en-GB" smtClean="0"/>
-              <a:t>10</a:t>
+              <a:t>11</a:t>
             </a:fld>
             <a:endParaRPr lang="en-GB"/>
           </a:p>
@@ -10589,7 +10146,7 @@
 </p:notes>
 </file>
 
-<file path=ppt/notesSlides/notesSlide8.xml><?xml version="1.0" encoding="utf-8"?>
+<file path=ppt/notesSlides/notesSlide12.xml><?xml version="1.0" encoding="utf-8"?>
 <p:notes xmlns:a="http://schemas.openxmlformats.org/drawingml/2006/main" xmlns:r="http://schemas.openxmlformats.org/officeDocument/2006/relationships" xmlns:p="http://schemas.openxmlformats.org/presentationml/2006/main">
   <p:cSld>
     <p:spTree>
@@ -10675,7 +10232,7 @@
             </a:pPr>
             <a:r>
               <a:rPr lang="en-US" dirty="0"/>
-              <a:t>Gaining more insight on how sales between different departments will help a lot, managing stocks in advance, for example. </a:t>
+              <a:t>Gaining more insight on how sales between different departments differ will help a lot, for managing stocks in advance, for example. </a:t>
             </a:r>
           </a:p>
           <a:p>
@@ -10700,7 +10257,7 @@
           <a:p>
             <a:fld id="{381A0358-3C03-4F28-AB3F-5908D98D96C0}" type="slidenum">
               <a:rPr lang="en-GB" smtClean="0"/>
-              <a:t>11</a:t>
+              <a:t>12</a:t>
             </a:fld>
             <a:endParaRPr lang="en-GB"/>
           </a:p>
@@ -10710,6 +10267,925 @@
     <p:extLst>
       <p:ext uri="{BB962C8B-B14F-4D97-AF65-F5344CB8AC3E}">
         <p14:creationId xmlns:p14="http://schemas.microsoft.com/office/powerpoint/2010/main" val="2260510338"/>
+      </p:ext>
+    </p:extLst>
+  </p:cSld>
+  <p:clrMapOvr>
+    <a:masterClrMapping/>
+  </p:clrMapOvr>
+</p:notes>
+</file>
+
+<file path=ppt/notesSlides/notesSlide13.xml><?xml version="1.0" encoding="utf-8"?>
+<p:notes xmlns:a="http://schemas.openxmlformats.org/drawingml/2006/main" xmlns:r="http://schemas.openxmlformats.org/officeDocument/2006/relationships" xmlns:p="http://schemas.openxmlformats.org/presentationml/2006/main">
+  <p:cSld>
+    <p:spTree>
+      <p:nvGrpSpPr>
+        <p:cNvPr id="1" name=""/>
+        <p:cNvGrpSpPr/>
+        <p:nvPr/>
+      </p:nvGrpSpPr>
+      <p:grpSpPr>
+        <a:xfrm>
+          <a:off x="0" y="0"/>
+          <a:ext cx="0" cy="0"/>
+          <a:chOff x="0" y="0"/>
+          <a:chExt cx="0" cy="0"/>
+        </a:xfrm>
+      </p:grpSpPr>
+      <p:sp>
+        <p:nvSpPr>
+          <p:cNvPr id="2" name="Slide Image Placeholder 1"/>
+          <p:cNvSpPr>
+            <a:spLocks noGrp="1" noRot="1" noChangeAspect="1"/>
+          </p:cNvSpPr>
+          <p:nvPr>
+            <p:ph type="sldImg"/>
+          </p:nvPr>
+        </p:nvSpPr>
+        <p:spPr/>
+      </p:sp>
+      <p:sp>
+        <p:nvSpPr>
+          <p:cNvPr id="3" name="Notes Placeholder 2"/>
+          <p:cNvSpPr>
+            <a:spLocks noGrp="1"/>
+          </p:cNvSpPr>
+          <p:nvPr>
+            <p:ph type="body" idx="1"/>
+          </p:nvPr>
+        </p:nvSpPr>
+        <p:spPr/>
+        <p:txBody>
+          <a:bodyPr/>
+          <a:lstStyle/>
+          <a:p>
+            <a:endParaRPr lang="en-GB"/>
+          </a:p>
+        </p:txBody>
+      </p:sp>
+      <p:sp>
+        <p:nvSpPr>
+          <p:cNvPr id="4" name="Slide Number Placeholder 3"/>
+          <p:cNvSpPr>
+            <a:spLocks noGrp="1"/>
+          </p:cNvSpPr>
+          <p:nvPr>
+            <p:ph type="sldNum" sz="quarter" idx="5"/>
+          </p:nvPr>
+        </p:nvSpPr>
+        <p:spPr/>
+        <p:txBody>
+          <a:bodyPr/>
+          <a:lstStyle/>
+          <a:p>
+            <a:fld id="{381A0358-3C03-4F28-AB3F-5908D98D96C0}" type="slidenum">
+              <a:rPr lang="en-GB" smtClean="0"/>
+              <a:t>13</a:t>
+            </a:fld>
+            <a:endParaRPr lang="en-GB"/>
+          </a:p>
+        </p:txBody>
+      </p:sp>
+    </p:spTree>
+    <p:extLst>
+      <p:ext uri="{BB962C8B-B14F-4D97-AF65-F5344CB8AC3E}">
+        <p14:creationId xmlns:p14="http://schemas.microsoft.com/office/powerpoint/2010/main" val="3444202792"/>
+      </p:ext>
+    </p:extLst>
+  </p:cSld>
+  <p:clrMapOvr>
+    <a:masterClrMapping/>
+  </p:clrMapOvr>
+</p:notes>
+</file>
+
+<file path=ppt/notesSlides/notesSlide2.xml><?xml version="1.0" encoding="utf-8"?>
+<p:notes xmlns:a="http://schemas.openxmlformats.org/drawingml/2006/main" xmlns:r="http://schemas.openxmlformats.org/officeDocument/2006/relationships" xmlns:p="http://schemas.openxmlformats.org/presentationml/2006/main">
+  <p:cSld>
+    <p:spTree>
+      <p:nvGrpSpPr>
+        <p:cNvPr id="1" name=""/>
+        <p:cNvGrpSpPr/>
+        <p:nvPr/>
+      </p:nvGrpSpPr>
+      <p:grpSpPr>
+        <a:xfrm>
+          <a:off x="0" y="0"/>
+          <a:ext cx="0" cy="0"/>
+          <a:chOff x="0" y="0"/>
+          <a:chExt cx="0" cy="0"/>
+        </a:xfrm>
+      </p:grpSpPr>
+      <p:sp>
+        <p:nvSpPr>
+          <p:cNvPr id="2" name="Slide Image Placeholder 1"/>
+          <p:cNvSpPr>
+            <a:spLocks noGrp="1" noRot="1" noChangeAspect="1"/>
+          </p:cNvSpPr>
+          <p:nvPr>
+            <p:ph type="sldImg"/>
+          </p:nvPr>
+        </p:nvSpPr>
+        <p:spPr/>
+      </p:sp>
+      <p:sp>
+        <p:nvSpPr>
+          <p:cNvPr id="3" name="Notes Placeholder 2"/>
+          <p:cNvSpPr>
+            <a:spLocks noGrp="1"/>
+          </p:cNvSpPr>
+          <p:nvPr>
+            <p:ph type="body" idx="1"/>
+          </p:nvPr>
+        </p:nvSpPr>
+        <p:spPr/>
+        <p:txBody>
+          <a:bodyPr/>
+          <a:lstStyle/>
+          <a:p>
+            <a:endParaRPr lang="en-GB"/>
+          </a:p>
+        </p:txBody>
+      </p:sp>
+      <p:sp>
+        <p:nvSpPr>
+          <p:cNvPr id="4" name="Slide Number Placeholder 3"/>
+          <p:cNvSpPr>
+            <a:spLocks noGrp="1"/>
+          </p:cNvSpPr>
+          <p:nvPr>
+            <p:ph type="sldNum" sz="quarter" idx="5"/>
+          </p:nvPr>
+        </p:nvSpPr>
+        <p:spPr/>
+        <p:txBody>
+          <a:bodyPr/>
+          <a:lstStyle/>
+          <a:p>
+            <a:fld id="{381A0358-3C03-4F28-AB3F-5908D98D96C0}" type="slidenum">
+              <a:rPr lang="en-GB" smtClean="0"/>
+              <a:t>2</a:t>
+            </a:fld>
+            <a:endParaRPr lang="en-GB"/>
+          </a:p>
+        </p:txBody>
+      </p:sp>
+    </p:spTree>
+    <p:extLst>
+      <p:ext uri="{BB962C8B-B14F-4D97-AF65-F5344CB8AC3E}">
+        <p14:creationId xmlns:p14="http://schemas.microsoft.com/office/powerpoint/2010/main" val="2943006575"/>
+      </p:ext>
+    </p:extLst>
+  </p:cSld>
+  <p:clrMapOvr>
+    <a:masterClrMapping/>
+  </p:clrMapOvr>
+</p:notes>
+</file>
+
+<file path=ppt/notesSlides/notesSlide3.xml><?xml version="1.0" encoding="utf-8"?>
+<p:notes xmlns:a="http://schemas.openxmlformats.org/drawingml/2006/main" xmlns:r="http://schemas.openxmlformats.org/officeDocument/2006/relationships" xmlns:p="http://schemas.openxmlformats.org/presentationml/2006/main">
+  <p:cSld>
+    <p:spTree>
+      <p:nvGrpSpPr>
+        <p:cNvPr id="1" name=""/>
+        <p:cNvGrpSpPr/>
+        <p:nvPr/>
+      </p:nvGrpSpPr>
+      <p:grpSpPr>
+        <a:xfrm>
+          <a:off x="0" y="0"/>
+          <a:ext cx="0" cy="0"/>
+          <a:chOff x="0" y="0"/>
+          <a:chExt cx="0" cy="0"/>
+        </a:xfrm>
+      </p:grpSpPr>
+      <p:sp>
+        <p:nvSpPr>
+          <p:cNvPr id="2" name="Slide Image Placeholder 1"/>
+          <p:cNvSpPr>
+            <a:spLocks noGrp="1" noRot="1" noChangeAspect="1"/>
+          </p:cNvSpPr>
+          <p:nvPr>
+            <p:ph type="sldImg"/>
+          </p:nvPr>
+        </p:nvSpPr>
+        <p:spPr/>
+      </p:sp>
+      <p:sp>
+        <p:nvSpPr>
+          <p:cNvPr id="3" name="Notes Placeholder 2"/>
+          <p:cNvSpPr>
+            <a:spLocks noGrp="1"/>
+          </p:cNvSpPr>
+          <p:nvPr>
+            <p:ph type="body" idx="1"/>
+          </p:nvPr>
+        </p:nvSpPr>
+        <p:spPr/>
+        <p:txBody>
+          <a:bodyPr/>
+          <a:lstStyle/>
+          <a:p>
+            <a:endParaRPr lang="en-GB"/>
+          </a:p>
+        </p:txBody>
+      </p:sp>
+      <p:sp>
+        <p:nvSpPr>
+          <p:cNvPr id="4" name="Slide Number Placeholder 3"/>
+          <p:cNvSpPr>
+            <a:spLocks noGrp="1"/>
+          </p:cNvSpPr>
+          <p:nvPr>
+            <p:ph type="sldNum" sz="quarter" idx="5"/>
+          </p:nvPr>
+        </p:nvSpPr>
+        <p:spPr/>
+        <p:txBody>
+          <a:bodyPr/>
+          <a:lstStyle/>
+          <a:p>
+            <a:fld id="{381A0358-3C03-4F28-AB3F-5908D98D96C0}" type="slidenum">
+              <a:rPr lang="en-GB" smtClean="0"/>
+              <a:t>3</a:t>
+            </a:fld>
+            <a:endParaRPr lang="en-GB"/>
+          </a:p>
+        </p:txBody>
+      </p:sp>
+    </p:spTree>
+    <p:extLst>
+      <p:ext uri="{BB962C8B-B14F-4D97-AF65-F5344CB8AC3E}">
+        <p14:creationId xmlns:p14="http://schemas.microsoft.com/office/powerpoint/2010/main" val="1555116953"/>
+      </p:ext>
+    </p:extLst>
+  </p:cSld>
+  <p:clrMapOvr>
+    <a:masterClrMapping/>
+  </p:clrMapOvr>
+</p:notes>
+</file>
+
+<file path=ppt/notesSlides/notesSlide4.xml><?xml version="1.0" encoding="utf-8"?>
+<p:notes xmlns:a="http://schemas.openxmlformats.org/drawingml/2006/main" xmlns:r="http://schemas.openxmlformats.org/officeDocument/2006/relationships" xmlns:p="http://schemas.openxmlformats.org/presentationml/2006/main">
+  <p:cSld>
+    <p:spTree>
+      <p:nvGrpSpPr>
+        <p:cNvPr id="1" name=""/>
+        <p:cNvGrpSpPr/>
+        <p:nvPr/>
+      </p:nvGrpSpPr>
+      <p:grpSpPr>
+        <a:xfrm>
+          <a:off x="0" y="0"/>
+          <a:ext cx="0" cy="0"/>
+          <a:chOff x="0" y="0"/>
+          <a:chExt cx="0" cy="0"/>
+        </a:xfrm>
+      </p:grpSpPr>
+      <p:sp>
+        <p:nvSpPr>
+          <p:cNvPr id="2" name="Slide Image Placeholder 1"/>
+          <p:cNvSpPr>
+            <a:spLocks noGrp="1" noRot="1" noChangeAspect="1"/>
+          </p:cNvSpPr>
+          <p:nvPr>
+            <p:ph type="sldImg"/>
+          </p:nvPr>
+        </p:nvSpPr>
+        <p:spPr/>
+      </p:sp>
+      <p:sp>
+        <p:nvSpPr>
+          <p:cNvPr id="3" name="Notes Placeholder 2"/>
+          <p:cNvSpPr>
+            <a:spLocks noGrp="1"/>
+          </p:cNvSpPr>
+          <p:nvPr>
+            <p:ph type="body" idx="1"/>
+          </p:nvPr>
+        </p:nvSpPr>
+        <p:spPr/>
+        <p:txBody>
+          <a:bodyPr/>
+          <a:lstStyle/>
+          <a:p>
+            <a:r>
+              <a:rPr lang="en-US" dirty="0"/>
+              <a:t>Frame the problem: Identify business priorities and make strategic decisions that will lead my work</a:t>
+            </a:r>
+          </a:p>
+          <a:p>
+            <a:r>
+              <a:rPr lang="en-US" dirty="0"/>
+              <a:t>Collect raw data: Extract data from the database provided.</a:t>
+            </a:r>
+          </a:p>
+          <a:p>
+            <a:r>
+              <a:rPr lang="en-US" dirty="0"/>
+              <a:t>Process the Data: Understand the data and proceed to clean it. </a:t>
+            </a:r>
+          </a:p>
+          <a:p>
+            <a:r>
+              <a:rPr lang="en-US" dirty="0"/>
+              <a:t>Explore the data: Split the data in different ways and use statistics to test and create visualizations to interpret data</a:t>
+            </a:r>
+          </a:p>
+          <a:p>
+            <a:r>
+              <a:rPr lang="en-US" dirty="0"/>
+              <a:t>Train and Evaluate Models: Create Time Series Models to predict future sales numbers.</a:t>
+            </a:r>
+          </a:p>
+          <a:p>
+            <a:r>
+              <a:rPr lang="en-US" dirty="0"/>
+              <a:t>Communicate Results</a:t>
+            </a:r>
+            <a:endParaRPr lang="en-GB" dirty="0"/>
+          </a:p>
+        </p:txBody>
+      </p:sp>
+      <p:sp>
+        <p:nvSpPr>
+          <p:cNvPr id="4" name="Slide Number Placeholder 3"/>
+          <p:cNvSpPr>
+            <a:spLocks noGrp="1"/>
+          </p:cNvSpPr>
+          <p:nvPr>
+            <p:ph type="sldNum" sz="quarter" idx="5"/>
+          </p:nvPr>
+        </p:nvSpPr>
+        <p:spPr/>
+        <p:txBody>
+          <a:bodyPr/>
+          <a:lstStyle/>
+          <a:p>
+            <a:fld id="{381A0358-3C03-4F28-AB3F-5908D98D96C0}" type="slidenum">
+              <a:rPr lang="en-GB" smtClean="0"/>
+              <a:t>4</a:t>
+            </a:fld>
+            <a:endParaRPr lang="en-GB"/>
+          </a:p>
+        </p:txBody>
+      </p:sp>
+    </p:spTree>
+    <p:extLst>
+      <p:ext uri="{BB962C8B-B14F-4D97-AF65-F5344CB8AC3E}">
+        <p14:creationId xmlns:p14="http://schemas.microsoft.com/office/powerpoint/2010/main" val="414244364"/>
+      </p:ext>
+    </p:extLst>
+  </p:cSld>
+  <p:clrMapOvr>
+    <a:masterClrMapping/>
+  </p:clrMapOvr>
+</p:notes>
+</file>
+
+<file path=ppt/notesSlides/notesSlide5.xml><?xml version="1.0" encoding="utf-8"?>
+<p:notes xmlns:a="http://schemas.openxmlformats.org/drawingml/2006/main" xmlns:r="http://schemas.openxmlformats.org/officeDocument/2006/relationships" xmlns:p="http://schemas.openxmlformats.org/presentationml/2006/main">
+  <p:cSld>
+    <p:spTree>
+      <p:nvGrpSpPr>
+        <p:cNvPr id="1" name=""/>
+        <p:cNvGrpSpPr/>
+        <p:nvPr/>
+      </p:nvGrpSpPr>
+      <p:grpSpPr>
+        <a:xfrm>
+          <a:off x="0" y="0"/>
+          <a:ext cx="0" cy="0"/>
+          <a:chOff x="0" y="0"/>
+          <a:chExt cx="0" cy="0"/>
+        </a:xfrm>
+      </p:grpSpPr>
+      <p:sp>
+        <p:nvSpPr>
+          <p:cNvPr id="2" name="Slide Image Placeholder 1"/>
+          <p:cNvSpPr>
+            <a:spLocks noGrp="1" noRot="1" noChangeAspect="1"/>
+          </p:cNvSpPr>
+          <p:nvPr>
+            <p:ph type="sldImg"/>
+          </p:nvPr>
+        </p:nvSpPr>
+        <p:spPr/>
+      </p:sp>
+      <p:sp>
+        <p:nvSpPr>
+          <p:cNvPr id="3" name="Notes Placeholder 2"/>
+          <p:cNvSpPr>
+            <a:spLocks noGrp="1"/>
+          </p:cNvSpPr>
+          <p:nvPr>
+            <p:ph type="body" idx="1"/>
+          </p:nvPr>
+        </p:nvSpPr>
+        <p:spPr/>
+        <p:txBody>
+          <a:bodyPr/>
+          <a:lstStyle/>
+          <a:p>
+            <a:r>
+              <a:rPr lang="en-US" dirty="0"/>
+              <a:t>T</a:t>
+            </a:r>
+            <a:r>
+              <a:rPr lang="en-GB" dirty="0"/>
+              <a:t>here are more than 9,000 sales data entries in this dataset. There were 21 features in this dataset, however for Time series analysis we only need two, in this case Order Date and Sales. </a:t>
+            </a:r>
+          </a:p>
+          <a:p>
+            <a:r>
+              <a:rPr lang="en-GB" dirty="0"/>
+              <a:t>Cleaning the data was different in here. There is the obvious data cleaning procedure, such as missing values. We also had to change the index of the data to be Order Date.</a:t>
+            </a:r>
+          </a:p>
+          <a:p>
+            <a:r>
+              <a:rPr lang="en-GB" dirty="0"/>
+              <a:t>And do Aggregation which is grouping sales by month. </a:t>
+            </a:r>
+            <a:endParaRPr lang="en-US" dirty="0"/>
+          </a:p>
+        </p:txBody>
+      </p:sp>
+      <p:sp>
+        <p:nvSpPr>
+          <p:cNvPr id="4" name="Slide Number Placeholder 3"/>
+          <p:cNvSpPr>
+            <a:spLocks noGrp="1"/>
+          </p:cNvSpPr>
+          <p:nvPr>
+            <p:ph type="sldNum" sz="quarter" idx="5"/>
+          </p:nvPr>
+        </p:nvSpPr>
+        <p:spPr/>
+        <p:txBody>
+          <a:bodyPr/>
+          <a:lstStyle/>
+          <a:p>
+            <a:fld id="{381A0358-3C03-4F28-AB3F-5908D98D96C0}" type="slidenum">
+              <a:rPr lang="en-GB" smtClean="0"/>
+              <a:t>5</a:t>
+            </a:fld>
+            <a:endParaRPr lang="en-GB"/>
+          </a:p>
+        </p:txBody>
+      </p:sp>
+    </p:spTree>
+    <p:extLst>
+      <p:ext uri="{BB962C8B-B14F-4D97-AF65-F5344CB8AC3E}">
+        <p14:creationId xmlns:p14="http://schemas.microsoft.com/office/powerpoint/2010/main" val="88192333"/>
+      </p:ext>
+    </p:extLst>
+  </p:cSld>
+  <p:clrMapOvr>
+    <a:masterClrMapping/>
+  </p:clrMapOvr>
+</p:notes>
+</file>
+
+<file path=ppt/notesSlides/notesSlide6.xml><?xml version="1.0" encoding="utf-8"?>
+<p:notes xmlns:a="http://schemas.openxmlformats.org/drawingml/2006/main" xmlns:r="http://schemas.openxmlformats.org/officeDocument/2006/relationships" xmlns:p="http://schemas.openxmlformats.org/presentationml/2006/main">
+  <p:cSld>
+    <p:spTree>
+      <p:nvGrpSpPr>
+        <p:cNvPr id="1" name=""/>
+        <p:cNvGrpSpPr/>
+        <p:nvPr/>
+      </p:nvGrpSpPr>
+      <p:grpSpPr>
+        <a:xfrm>
+          <a:off x="0" y="0"/>
+          <a:ext cx="0" cy="0"/>
+          <a:chOff x="0" y="0"/>
+          <a:chExt cx="0" cy="0"/>
+        </a:xfrm>
+      </p:grpSpPr>
+      <p:sp>
+        <p:nvSpPr>
+          <p:cNvPr id="2" name="Slide Image Placeholder 1"/>
+          <p:cNvSpPr>
+            <a:spLocks noGrp="1" noRot="1" noChangeAspect="1"/>
+          </p:cNvSpPr>
+          <p:nvPr>
+            <p:ph type="sldImg"/>
+          </p:nvPr>
+        </p:nvSpPr>
+        <p:spPr/>
+      </p:sp>
+      <p:sp>
+        <p:nvSpPr>
+          <p:cNvPr id="3" name="Notes Placeholder 2"/>
+          <p:cNvSpPr>
+            <a:spLocks noGrp="1"/>
+          </p:cNvSpPr>
+          <p:nvPr>
+            <p:ph type="body" idx="1"/>
+          </p:nvPr>
+        </p:nvSpPr>
+        <p:spPr/>
+        <p:txBody>
+          <a:bodyPr/>
+          <a:lstStyle/>
+          <a:p>
+            <a:r>
+              <a:rPr lang="en-US" dirty="0"/>
+              <a:t>Using the line graph throughout the years, we can appreciate that there is a year seasonality pattern. For furniture, during the months of September, November and December there is an increase of sales. There is a massive decrease of sales during October. </a:t>
+            </a:r>
+          </a:p>
+        </p:txBody>
+      </p:sp>
+      <p:sp>
+        <p:nvSpPr>
+          <p:cNvPr id="4" name="Slide Number Placeholder 3"/>
+          <p:cNvSpPr>
+            <a:spLocks noGrp="1"/>
+          </p:cNvSpPr>
+          <p:nvPr>
+            <p:ph type="sldNum" sz="quarter" idx="5"/>
+          </p:nvPr>
+        </p:nvSpPr>
+        <p:spPr/>
+        <p:txBody>
+          <a:bodyPr/>
+          <a:lstStyle/>
+          <a:p>
+            <a:fld id="{381A0358-3C03-4F28-AB3F-5908D98D96C0}" type="slidenum">
+              <a:rPr lang="en-GB" smtClean="0"/>
+              <a:t>6</a:t>
+            </a:fld>
+            <a:endParaRPr lang="en-GB"/>
+          </a:p>
+        </p:txBody>
+      </p:sp>
+    </p:spTree>
+    <p:extLst>
+      <p:ext uri="{BB962C8B-B14F-4D97-AF65-F5344CB8AC3E}">
+        <p14:creationId xmlns:p14="http://schemas.microsoft.com/office/powerpoint/2010/main" val="3154609855"/>
+      </p:ext>
+    </p:extLst>
+  </p:cSld>
+  <p:clrMapOvr>
+    <a:masterClrMapping/>
+  </p:clrMapOvr>
+</p:notes>
+</file>
+
+<file path=ppt/notesSlides/notesSlide7.xml><?xml version="1.0" encoding="utf-8"?>
+<p:notes xmlns:a="http://schemas.openxmlformats.org/drawingml/2006/main" xmlns:r="http://schemas.openxmlformats.org/officeDocument/2006/relationships" xmlns:p="http://schemas.openxmlformats.org/presentationml/2006/main">
+  <p:cSld>
+    <p:spTree>
+      <p:nvGrpSpPr>
+        <p:cNvPr id="1" name=""/>
+        <p:cNvGrpSpPr/>
+        <p:nvPr/>
+      </p:nvGrpSpPr>
+      <p:grpSpPr>
+        <a:xfrm>
+          <a:off x="0" y="0"/>
+          <a:ext cx="0" cy="0"/>
+          <a:chOff x="0" y="0"/>
+          <a:chExt cx="0" cy="0"/>
+        </a:xfrm>
+      </p:grpSpPr>
+      <p:sp>
+        <p:nvSpPr>
+          <p:cNvPr id="2" name="Slide Image Placeholder 1"/>
+          <p:cNvSpPr>
+            <a:spLocks noGrp="1" noRot="1" noChangeAspect="1"/>
+          </p:cNvSpPr>
+          <p:nvPr>
+            <p:ph type="sldImg"/>
+          </p:nvPr>
+        </p:nvSpPr>
+        <p:spPr/>
+      </p:sp>
+      <p:sp>
+        <p:nvSpPr>
+          <p:cNvPr id="3" name="Notes Placeholder 2"/>
+          <p:cNvSpPr>
+            <a:spLocks noGrp="1"/>
+          </p:cNvSpPr>
+          <p:nvPr>
+            <p:ph type="body" idx="1"/>
+          </p:nvPr>
+        </p:nvSpPr>
+        <p:spPr/>
+        <p:txBody>
+          <a:bodyPr/>
+          <a:lstStyle/>
+          <a:p>
+            <a:r>
+              <a:rPr lang="en-GB" dirty="0"/>
+              <a:t>For Office Supplies, sales are more constant, there are more sales overall throughout the year. However, months September, November and December are also notably higher. </a:t>
+            </a:r>
+          </a:p>
+          <a:p>
+            <a:pPr marL="0" marR="0" lvl="0" indent="0" algn="l" defTabSz="914400" rtl="0" eaLnBrk="1" fontAlgn="auto" latinLnBrk="0" hangingPunct="1">
+              <a:lnSpc>
+                <a:spcPct val="100000"/>
+              </a:lnSpc>
+              <a:spcBef>
+                <a:spcPts val="0"/>
+              </a:spcBef>
+              <a:spcAft>
+                <a:spcPts val="0"/>
+              </a:spcAft>
+              <a:buClrTx/>
+              <a:buSzTx/>
+              <a:buFontTx/>
+              <a:buNone/>
+              <a:tabLst/>
+              <a:defRPr/>
+            </a:pPr>
+            <a:r>
+              <a:rPr lang="en-GB" dirty="0"/>
+              <a:t>There is also a decrease in October. </a:t>
+            </a:r>
+            <a:endParaRPr lang="en-US" dirty="0"/>
+          </a:p>
+        </p:txBody>
+      </p:sp>
+      <p:sp>
+        <p:nvSpPr>
+          <p:cNvPr id="4" name="Slide Number Placeholder 3"/>
+          <p:cNvSpPr>
+            <a:spLocks noGrp="1"/>
+          </p:cNvSpPr>
+          <p:nvPr>
+            <p:ph type="sldNum" sz="quarter" idx="5"/>
+          </p:nvPr>
+        </p:nvSpPr>
+        <p:spPr/>
+        <p:txBody>
+          <a:bodyPr/>
+          <a:lstStyle/>
+          <a:p>
+            <a:fld id="{381A0358-3C03-4F28-AB3F-5908D98D96C0}" type="slidenum">
+              <a:rPr lang="en-GB" smtClean="0"/>
+              <a:t>7</a:t>
+            </a:fld>
+            <a:endParaRPr lang="en-GB"/>
+          </a:p>
+        </p:txBody>
+      </p:sp>
+    </p:spTree>
+    <p:extLst>
+      <p:ext uri="{BB962C8B-B14F-4D97-AF65-F5344CB8AC3E}">
+        <p14:creationId xmlns:p14="http://schemas.microsoft.com/office/powerpoint/2010/main" val="3745049577"/>
+      </p:ext>
+    </p:extLst>
+  </p:cSld>
+  <p:clrMapOvr>
+    <a:masterClrMapping/>
+  </p:clrMapOvr>
+</p:notes>
+</file>
+
+<file path=ppt/notesSlides/notesSlide8.xml><?xml version="1.0" encoding="utf-8"?>
+<p:notes xmlns:a="http://schemas.openxmlformats.org/drawingml/2006/main" xmlns:r="http://schemas.openxmlformats.org/officeDocument/2006/relationships" xmlns:p="http://schemas.openxmlformats.org/presentationml/2006/main">
+  <p:cSld>
+    <p:spTree>
+      <p:nvGrpSpPr>
+        <p:cNvPr id="1" name=""/>
+        <p:cNvGrpSpPr/>
+        <p:nvPr/>
+      </p:nvGrpSpPr>
+      <p:grpSpPr>
+        <a:xfrm>
+          <a:off x="0" y="0"/>
+          <a:ext cx="0" cy="0"/>
+          <a:chOff x="0" y="0"/>
+          <a:chExt cx="0" cy="0"/>
+        </a:xfrm>
+      </p:grpSpPr>
+      <p:sp>
+        <p:nvSpPr>
+          <p:cNvPr id="2" name="Slide Image Placeholder 1"/>
+          <p:cNvSpPr>
+            <a:spLocks noGrp="1" noRot="1" noChangeAspect="1"/>
+          </p:cNvSpPr>
+          <p:nvPr>
+            <p:ph type="sldImg"/>
+          </p:nvPr>
+        </p:nvSpPr>
+        <p:spPr/>
+      </p:sp>
+      <p:sp>
+        <p:nvSpPr>
+          <p:cNvPr id="3" name="Notes Placeholder 2"/>
+          <p:cNvSpPr>
+            <a:spLocks noGrp="1"/>
+          </p:cNvSpPr>
+          <p:nvPr>
+            <p:ph type="body" idx="1"/>
+          </p:nvPr>
+        </p:nvSpPr>
+        <p:spPr/>
+        <p:txBody>
+          <a:bodyPr/>
+          <a:lstStyle/>
+          <a:p>
+            <a:r>
+              <a:rPr lang="en-US" dirty="0"/>
+              <a:t>Predictions are quite close to the actual number. As with any time series model the prediction will not be 100% accurate. However, based on both graphs we can see that the predicted models do show the year seasonality.  </a:t>
+            </a:r>
+            <a:endParaRPr lang="en-GB" dirty="0"/>
+          </a:p>
+        </p:txBody>
+      </p:sp>
+      <p:sp>
+        <p:nvSpPr>
+          <p:cNvPr id="4" name="Slide Number Placeholder 3"/>
+          <p:cNvSpPr>
+            <a:spLocks noGrp="1"/>
+          </p:cNvSpPr>
+          <p:nvPr>
+            <p:ph type="sldNum" sz="quarter" idx="5"/>
+          </p:nvPr>
+        </p:nvSpPr>
+        <p:spPr/>
+        <p:txBody>
+          <a:bodyPr/>
+          <a:lstStyle/>
+          <a:p>
+            <a:fld id="{381A0358-3C03-4F28-AB3F-5908D98D96C0}" type="slidenum">
+              <a:rPr lang="en-GB" smtClean="0"/>
+              <a:t>8</a:t>
+            </a:fld>
+            <a:endParaRPr lang="en-GB"/>
+          </a:p>
+        </p:txBody>
+      </p:sp>
+    </p:spTree>
+    <p:extLst>
+      <p:ext uri="{BB962C8B-B14F-4D97-AF65-F5344CB8AC3E}">
+        <p14:creationId xmlns:p14="http://schemas.microsoft.com/office/powerpoint/2010/main" val="2639838094"/>
+      </p:ext>
+    </p:extLst>
+  </p:cSld>
+  <p:clrMapOvr>
+    <a:masterClrMapping/>
+  </p:clrMapOvr>
+</p:notes>
+</file>
+
+<file path=ppt/notesSlides/notesSlide9.xml><?xml version="1.0" encoding="utf-8"?>
+<p:notes xmlns:a="http://schemas.openxmlformats.org/drawingml/2006/main" xmlns:r="http://schemas.openxmlformats.org/officeDocument/2006/relationships" xmlns:p="http://schemas.openxmlformats.org/presentationml/2006/main">
+  <p:cSld>
+    <p:spTree>
+      <p:nvGrpSpPr>
+        <p:cNvPr id="1" name=""/>
+        <p:cNvGrpSpPr/>
+        <p:nvPr/>
+      </p:nvGrpSpPr>
+      <p:grpSpPr>
+        <a:xfrm>
+          <a:off x="0" y="0"/>
+          <a:ext cx="0" cy="0"/>
+          <a:chOff x="0" y="0"/>
+          <a:chExt cx="0" cy="0"/>
+        </a:xfrm>
+      </p:grpSpPr>
+      <p:sp>
+        <p:nvSpPr>
+          <p:cNvPr id="2" name="Slide Image Placeholder 1"/>
+          <p:cNvSpPr>
+            <a:spLocks noGrp="1" noRot="1" noChangeAspect="1"/>
+          </p:cNvSpPr>
+          <p:nvPr>
+            <p:ph type="sldImg"/>
+          </p:nvPr>
+        </p:nvSpPr>
+        <p:spPr/>
+      </p:sp>
+      <p:sp>
+        <p:nvSpPr>
+          <p:cNvPr id="3" name="Notes Placeholder 2"/>
+          <p:cNvSpPr>
+            <a:spLocks noGrp="1"/>
+          </p:cNvSpPr>
+          <p:nvPr>
+            <p:ph type="body" idx="1"/>
+          </p:nvPr>
+        </p:nvSpPr>
+        <p:spPr/>
+        <p:txBody>
+          <a:bodyPr/>
+          <a:lstStyle/>
+          <a:p>
+            <a:pPr algn="l"/>
+            <a:r>
+              <a:rPr lang="en-US" b="0" i="0" dirty="0">
+                <a:solidFill>
+                  <a:srgbClr val="000000"/>
+                </a:solidFill>
+                <a:effectLst/>
+                <a:latin typeface="Helvetica Neue"/>
+              </a:rPr>
+              <a:t>Recommendations for furniture, </a:t>
+            </a:r>
+            <a:r>
+              <a:rPr lang="en-US" dirty="0"/>
+              <a:t>September, October and December </a:t>
+            </a:r>
+            <a:r>
+              <a:rPr lang="en-US" b="0" i="0" dirty="0">
+                <a:solidFill>
+                  <a:srgbClr val="000000"/>
+                </a:solidFill>
+                <a:effectLst/>
+                <a:latin typeface="Helvetica Neue"/>
+              </a:rPr>
+              <a:t>are the months when sales spike up dramatically. This indicates that:</a:t>
+            </a:r>
+          </a:p>
+          <a:p>
+            <a:pPr algn="l">
+              <a:buFont typeface="Arial" panose="020B0604020202020204" pitchFamily="34" charset="0"/>
+              <a:buChar char="•"/>
+            </a:pPr>
+            <a:r>
+              <a:rPr lang="en-US" b="0" i="0" dirty="0">
+                <a:solidFill>
+                  <a:srgbClr val="000000"/>
+                </a:solidFill>
+                <a:effectLst/>
+                <a:latin typeface="Helvetica Neue"/>
+              </a:rPr>
+              <a:t>A minimum personnel is to be maintained throughout these months, perhaps even increasing workforce.</a:t>
+            </a:r>
+          </a:p>
+          <a:p>
+            <a:pPr algn="l">
+              <a:buFont typeface="Arial" panose="020B0604020202020204" pitchFamily="34" charset="0"/>
+              <a:buChar char="•"/>
+            </a:pPr>
+            <a:r>
+              <a:rPr lang="en-US" b="0" i="0" dirty="0">
+                <a:solidFill>
+                  <a:srgbClr val="000000"/>
+                </a:solidFill>
+                <a:effectLst/>
+                <a:latin typeface="Helvetica Neue"/>
+              </a:rPr>
+              <a:t>Increasing stock this month is also recommended as sales will increase .</a:t>
+            </a:r>
+          </a:p>
+          <a:p>
+            <a:pPr algn="l">
+              <a:buFont typeface="Arial" panose="020B0604020202020204" pitchFamily="34" charset="0"/>
+              <a:buChar char="•"/>
+            </a:pPr>
+            <a:r>
+              <a:rPr lang="en-US" b="0" i="0" dirty="0">
+                <a:solidFill>
+                  <a:srgbClr val="000000"/>
+                </a:solidFill>
+                <a:effectLst/>
+                <a:latin typeface="Helvetica Neue"/>
+              </a:rPr>
+              <a:t>January to May are quiet months therefore personnel can be redirected to different departments.</a:t>
+            </a:r>
+          </a:p>
+          <a:p>
+            <a:endParaRPr lang="en-GB" dirty="0"/>
+          </a:p>
+        </p:txBody>
+      </p:sp>
+      <p:sp>
+        <p:nvSpPr>
+          <p:cNvPr id="4" name="Slide Number Placeholder 3"/>
+          <p:cNvSpPr>
+            <a:spLocks noGrp="1"/>
+          </p:cNvSpPr>
+          <p:nvPr>
+            <p:ph type="sldNum" sz="quarter" idx="5"/>
+          </p:nvPr>
+        </p:nvSpPr>
+        <p:spPr/>
+        <p:txBody>
+          <a:bodyPr/>
+          <a:lstStyle/>
+          <a:p>
+            <a:fld id="{381A0358-3C03-4F28-AB3F-5908D98D96C0}" type="slidenum">
+              <a:rPr lang="en-GB" smtClean="0"/>
+              <a:t>9</a:t>
+            </a:fld>
+            <a:endParaRPr lang="en-GB"/>
+          </a:p>
+        </p:txBody>
+      </p:sp>
+    </p:spTree>
+    <p:extLst>
+      <p:ext uri="{BB962C8B-B14F-4D97-AF65-F5344CB8AC3E}">
+        <p14:creationId xmlns:p14="http://schemas.microsoft.com/office/powerpoint/2010/main" val="3776922615"/>
       </p:ext>
     </p:extLst>
   </p:cSld>
@@ -13953,7 +14429,7 @@
           <p:nvPr/>
         </p:nvPicPr>
         <p:blipFill rotWithShape="1">
-          <a:blip r:embed="rId3">
+          <a:blip r:embed="rId4">
             <a:extLst>
               <a:ext uri="{28A0092B-C50C-407E-A947-70E740481C1C}">
                 <a14:useLocalDpi xmlns:a14="http://schemas.microsoft.com/office/drawing/2010/main" val="0"/>
@@ -14226,6 +14702,183 @@
           <p:cNvPr id="2" name="Title 1">
             <a:extLst>
               <a:ext uri="{FF2B5EF4-FFF2-40B4-BE49-F238E27FC236}">
+                <a16:creationId xmlns:a16="http://schemas.microsoft.com/office/drawing/2014/main" id="{569847AF-1375-44F4-8D17-040F495719C5}"/>
+              </a:ext>
+            </a:extLst>
+          </p:cNvPr>
+          <p:cNvSpPr>
+            <a:spLocks noGrp="1"/>
+          </p:cNvSpPr>
+          <p:nvPr>
+            <p:ph type="title"/>
+          </p:nvPr>
+        </p:nvSpPr>
+        <p:spPr/>
+        <p:txBody>
+          <a:bodyPr>
+            <a:normAutofit/>
+          </a:bodyPr>
+          <a:lstStyle/>
+          <a:p>
+            <a:r>
+              <a:rPr lang="en-US" sz="4000" dirty="0"/>
+              <a:t>Recommendations – Office  Supplies</a:t>
+            </a:r>
+            <a:endParaRPr lang="en-GB" sz="4000" dirty="0"/>
+          </a:p>
+        </p:txBody>
+      </p:sp>
+      <p:pic>
+        <p:nvPicPr>
+          <p:cNvPr id="4" name="Picture 5">
+            <a:extLst>
+              <a:ext uri="{FF2B5EF4-FFF2-40B4-BE49-F238E27FC236}">
+                <a16:creationId xmlns:a16="http://schemas.microsoft.com/office/drawing/2014/main" id="{10D70576-09E2-406E-A732-EA97526424FF}"/>
+              </a:ext>
+            </a:extLst>
+          </p:cNvPr>
+          <p:cNvPicPr>
+            <a:picLocks noChangeAspect="1" noChangeArrowheads="1"/>
+          </p:cNvPicPr>
+          <p:nvPr/>
+        </p:nvPicPr>
+        <p:blipFill>
+          <a:blip r:embed="rId3">
+            <a:extLst>
+              <a:ext uri="{28A0092B-C50C-407E-A947-70E740481C1C}">
+                <a14:useLocalDpi xmlns:a14="http://schemas.microsoft.com/office/drawing/2010/main" val="0"/>
+              </a:ext>
+            </a:extLst>
+          </a:blip>
+          <a:srcRect/>
+          <a:stretch>
+            <a:fillRect/>
+          </a:stretch>
+        </p:blipFill>
+        <p:spPr bwMode="auto">
+          <a:xfrm>
+            <a:off x="1097280" y="2506068"/>
+            <a:ext cx="5104996" cy="3168868"/>
+          </a:xfrm>
+          <a:prstGeom prst="rect">
+            <a:avLst/>
+          </a:prstGeom>
+          <a:noFill/>
+          <a:extLst>
+            <a:ext uri="{909E8E84-426E-40DD-AFC4-6F175D3DCCD1}">
+              <a14:hiddenFill xmlns:a14="http://schemas.microsoft.com/office/drawing/2010/main">
+                <a:solidFill>
+                  <a:srgbClr val="FFFFFF"/>
+                </a:solidFill>
+              </a14:hiddenFill>
+            </a:ext>
+          </a:extLst>
+        </p:spPr>
+      </p:pic>
+      <p:sp>
+        <p:nvSpPr>
+          <p:cNvPr id="6" name="TextBox 5">
+            <a:extLst>
+              <a:ext uri="{FF2B5EF4-FFF2-40B4-BE49-F238E27FC236}">
+                <a16:creationId xmlns:a16="http://schemas.microsoft.com/office/drawing/2014/main" id="{8CA630D4-D4D7-413A-AD53-9E4D901545F7}"/>
+              </a:ext>
+            </a:extLst>
+          </p:cNvPr>
+          <p:cNvSpPr txBox="1"/>
+          <p:nvPr/>
+        </p:nvSpPr>
+        <p:spPr>
+          <a:xfrm>
+            <a:off x="6372979" y="2936340"/>
+            <a:ext cx="4625553" cy="2308324"/>
+          </a:xfrm>
+          <a:prstGeom prst="rect">
+            <a:avLst/>
+          </a:prstGeom>
+          <a:noFill/>
+        </p:spPr>
+        <p:txBody>
+          <a:bodyPr wrap="square" rtlCol="0">
+            <a:spAutoFit/>
+          </a:bodyPr>
+          <a:lstStyle/>
+          <a:p>
+            <a:pPr marL="285750" indent="-285750">
+              <a:buFont typeface="Wingdings" panose="05000000000000000000" pitchFamily="2" charset="2"/>
+              <a:buChar char="q"/>
+            </a:pPr>
+            <a:r>
+              <a:rPr lang="en-US" dirty="0"/>
+              <a:t>Increase of workforce when sales are higher, September, October and December.</a:t>
+            </a:r>
+          </a:p>
+          <a:p>
+            <a:endParaRPr lang="en-US" dirty="0"/>
+          </a:p>
+          <a:p>
+            <a:pPr marL="285750" indent="-285750">
+              <a:buFont typeface="Wingdings" panose="05000000000000000000" pitchFamily="2" charset="2"/>
+              <a:buChar char="q"/>
+            </a:pPr>
+            <a:r>
+              <a:rPr lang="en-US" dirty="0"/>
+              <a:t>Increase of stock before the high-sales months</a:t>
+            </a:r>
+          </a:p>
+          <a:p>
+            <a:endParaRPr lang="en-US" dirty="0"/>
+          </a:p>
+          <a:p>
+            <a:pPr marL="285750" indent="-285750">
+              <a:buFont typeface="Wingdings" panose="05000000000000000000" pitchFamily="2" charset="2"/>
+              <a:buChar char="q"/>
+            </a:pPr>
+            <a:r>
+              <a:rPr lang="en-US" dirty="0"/>
+              <a:t>Maintain a minimum number of employees</a:t>
+            </a:r>
+            <a:br>
+              <a:rPr lang="en-US" dirty="0"/>
+            </a:br>
+            <a:endParaRPr lang="en-GB" dirty="0"/>
+          </a:p>
+        </p:txBody>
+      </p:sp>
+    </p:spTree>
+    <p:extLst>
+      <p:ext uri="{BB962C8B-B14F-4D97-AF65-F5344CB8AC3E}">
+        <p14:creationId xmlns:p14="http://schemas.microsoft.com/office/powerpoint/2010/main" val="3224079500"/>
+      </p:ext>
+    </p:extLst>
+  </p:cSld>
+  <p:clrMapOvr>
+    <a:masterClrMapping/>
+  </p:clrMapOvr>
+</p:sld>
+</file>
+
+<file path=ppt/slides/slide11.xml><?xml version="1.0" encoding="utf-8"?>
+<p:sld xmlns:a="http://schemas.openxmlformats.org/drawingml/2006/main" xmlns:r="http://schemas.openxmlformats.org/officeDocument/2006/relationships" xmlns:p="http://schemas.openxmlformats.org/presentationml/2006/main">
+  <p:cSld>
+    <p:spTree>
+      <p:nvGrpSpPr>
+        <p:cNvPr id="1" name=""/>
+        <p:cNvGrpSpPr/>
+        <p:nvPr/>
+      </p:nvGrpSpPr>
+      <p:grpSpPr>
+        <a:xfrm>
+          <a:off x="0" y="0"/>
+          <a:ext cx="0" cy="0"/>
+          <a:chOff x="0" y="0"/>
+          <a:chExt cx="0" cy="0"/>
+        </a:xfrm>
+      </p:grpSpPr>
+      <p:sp>
+        <p:nvSpPr>
+          <p:cNvPr id="2" name="Title 1">
+            <a:extLst>
+              <a:ext uri="{FF2B5EF4-FFF2-40B4-BE49-F238E27FC236}">
                 <a16:creationId xmlns:a16="http://schemas.microsoft.com/office/drawing/2014/main" id="{D6DD33DC-B9DA-41C2-B462-0BBB9136083B}"/>
               </a:ext>
             </a:extLst>
@@ -14370,7 +15023,7 @@
 </p:sld>
 </file>
 
-<file path=ppt/slides/slide11.xml><?xml version="1.0" encoding="utf-8"?>
+<file path=ppt/slides/slide12.xml><?xml version="1.0" encoding="utf-8"?>
 <p:sld xmlns:a="http://schemas.openxmlformats.org/drawingml/2006/main" xmlns:r="http://schemas.openxmlformats.org/officeDocument/2006/relationships" xmlns:p="http://schemas.openxmlformats.org/presentationml/2006/main">
   <p:cSld>
     <p:spTree>
@@ -14455,7 +15108,7 @@
             </a:pPr>
             <a:r>
               <a:rPr lang="en-US" dirty="0"/>
-              <a:t>Making a prediction on Technology could also be helpful, as</a:t>
+              <a:t>Making a prediction on Technology could also be helpful. </a:t>
             </a:r>
             <a:endParaRPr lang="en-GB" dirty="0"/>
           </a:p>
@@ -14474,7 +15127,7 @@
 </p:sld>
 </file>
 
-<file path=ppt/slides/slide12.xml><?xml version="1.0" encoding="utf-8"?>
+<file path=ppt/slides/slide13.xml><?xml version="1.0" encoding="utf-8"?>
 <p:sld xmlns:a="http://schemas.openxmlformats.org/drawingml/2006/main" xmlns:r="http://schemas.openxmlformats.org/officeDocument/2006/relationships" xmlns:p="http://schemas.openxmlformats.org/presentationml/2006/main">
   <p:cSld>
     <p:spTree>
@@ -15139,13 +15792,13 @@
           <p:nvPr/>
         </p:nvPicPr>
         <p:blipFill>
-          <a:blip r:embed="rId2">
+          <a:blip r:embed="rId3">
             <a:extLst>
               <a:ext uri="{28A0092B-C50C-407E-A947-70E740481C1C}">
                 <a14:useLocalDpi xmlns:a14="http://schemas.microsoft.com/office/drawing/2010/main" val="0"/>
               </a:ext>
               <a:ext uri="{96DAC541-7B7A-43D3-8B79-37D633B846F1}">
-                <asvg:svgBlip xmlns:asvg="http://schemas.microsoft.com/office/drawing/2016/SVG/main" r:embed="rId3"/>
+                <asvg:svgBlip xmlns:asvg="http://schemas.microsoft.com/office/drawing/2016/SVG/main" r:embed="rId4"/>
               </a:ext>
             </a:extLst>
           </a:blip>
@@ -15482,7 +16135,7 @@
             <p:ph idx="1"/>
             <p:extLst>
               <p:ext uri="{D42A27DB-BD31-4B8C-83A1-F6EECF244321}">
-                <p14:modId xmlns:p14="http://schemas.microsoft.com/office/powerpoint/2010/main" val="4293308565"/>
+                <p14:modId xmlns:p14="http://schemas.microsoft.com/office/powerpoint/2010/main" val="2930872249"/>
               </p:ext>
             </p:extLst>
           </p:nvPr>
@@ -15493,7 +16146,7 @@
         </p:xfrm>
         <a:graphic>
           <a:graphicData uri="http://schemas.openxmlformats.org/drawingml/2006/diagram">
-            <dgm:relIds xmlns:dgm="http://schemas.openxmlformats.org/drawingml/2006/diagram" xmlns:r="http://schemas.openxmlformats.org/officeDocument/2006/relationships" r:dm="rId2" r:lo="rId3" r:qs="rId4" r:cs="rId5"/>
+            <dgm:relIds xmlns:dgm="http://schemas.openxmlformats.org/drawingml/2006/diagram" xmlns:r="http://schemas.openxmlformats.org/officeDocument/2006/relationships" r:dm="rId3" r:lo="rId4" r:qs="rId5" r:cs="rId6"/>
           </a:graphicData>
         </a:graphic>
       </p:graphicFrame>
@@ -16067,6 +16720,14 @@
 <file path=ppt/slides/slide6.xml><?xml version="1.0" encoding="utf-8"?>
 <p:sld xmlns:a="http://schemas.openxmlformats.org/drawingml/2006/main" xmlns:r="http://schemas.openxmlformats.org/officeDocument/2006/relationships" xmlns:p="http://schemas.openxmlformats.org/presentationml/2006/main">
   <p:cSld>
+    <p:bg>
+      <p:bgPr>
+        <a:solidFill>
+          <a:schemeClr val="bg1"/>
+        </a:solidFill>
+        <a:effectLst/>
+      </p:bgPr>
+    </p:bg>
     <p:spTree>
       <p:nvGrpSpPr>
         <p:cNvPr id="1" name=""/>
@@ -16081,6 +16742,231 @@
           <a:chExt cx="0" cy="0"/>
         </a:xfrm>
       </p:grpSpPr>
+      <p:sp>
+        <p:nvSpPr>
+          <p:cNvPr id="1030" name="Rectangle 72">
+            <a:extLst>
+              <a:ext uri="{FF2B5EF4-FFF2-40B4-BE49-F238E27FC236}">
+                <a16:creationId xmlns:a16="http://schemas.microsoft.com/office/drawing/2014/main" id="{39E3965E-AC41-4711-9D10-E25ABB132D86}"/>
+              </a:ext>
+              <a:ext uri="{C183D7F6-B498-43B3-948B-1728B52AA6E4}">
+                <adec:decorative xmlns:adec="http://schemas.microsoft.com/office/drawing/2017/decorative" val="1"/>
+              </a:ext>
+            </a:extLst>
+          </p:cNvPr>
+          <p:cNvSpPr>
+            <a:spLocks noGrp="1" noRot="1" noChangeAspect="1" noMove="1" noResize="1" noEditPoints="1" noAdjustHandles="1" noChangeArrowheads="1" noChangeShapeType="1" noTextEdit="1"/>
+          </p:cNvSpPr>
+          <p:nvPr>
+            <p:extLst>
+              <p:ext uri="{386F3935-93C4-4BCD-93E2-E3B085C9AB24}">
+                <p16:designElem xmlns:p16="http://schemas.microsoft.com/office/powerpoint/2015/main" val="1"/>
+              </p:ext>
+            </p:extLst>
+          </p:nvPr>
+        </p:nvSpPr>
+        <p:spPr>
+          <a:xfrm>
+            <a:off x="3175" y="6400800"/>
+            <a:ext cx="12188825" cy="457200"/>
+          </a:xfrm>
+          <a:prstGeom prst="rect">
+            <a:avLst/>
+          </a:prstGeom>
+          <a:solidFill>
+            <a:srgbClr val="262626"/>
+          </a:solidFill>
+          <a:ln>
+            <a:noFill/>
+          </a:ln>
+        </p:spPr>
+        <p:style>
+          <a:lnRef idx="2">
+            <a:schemeClr val="accent1">
+              <a:shade val="50000"/>
+            </a:schemeClr>
+          </a:lnRef>
+          <a:fillRef idx="1">
+            <a:schemeClr val="accent1"/>
+          </a:fillRef>
+          <a:effectRef idx="0">
+            <a:schemeClr val="accent1"/>
+          </a:effectRef>
+          <a:fontRef idx="minor">
+            <a:schemeClr val="lt1"/>
+          </a:fontRef>
+        </p:style>
+      </p:sp>
+      <p:cxnSp>
+        <p:nvCxnSpPr>
+          <p:cNvPr id="1031" name="Straight Connector 74">
+            <a:extLst>
+              <a:ext uri="{FF2B5EF4-FFF2-40B4-BE49-F238E27FC236}">
+                <a16:creationId xmlns:a16="http://schemas.microsoft.com/office/drawing/2014/main" id="{1F5DC8C3-BA5F-4EED-BB9A-A14272BD82A1}"/>
+              </a:ext>
+              <a:ext uri="{C183D7F6-B498-43B3-948B-1728B52AA6E4}">
+                <adec:decorative xmlns:adec="http://schemas.microsoft.com/office/drawing/2017/decorative" val="1"/>
+              </a:ext>
+            </a:extLst>
+          </p:cNvPr>
+          <p:cNvCxnSpPr>
+            <a:cxnSpLocks noGrp="1" noRot="1" noChangeAspect="1" noMove="1" noResize="1" noEditPoints="1" noAdjustHandles="1" noChangeArrowheads="1" noChangeShapeType="1"/>
+          </p:cNvCxnSpPr>
+          <p:nvPr>
+            <p:extLst>
+              <p:ext uri="{386F3935-93C4-4BCD-93E2-E3B085C9AB24}">
+                <p16:designElem xmlns:p16="http://schemas.microsoft.com/office/powerpoint/2015/main" val="1"/>
+              </p:ext>
+            </p:extLst>
+          </p:nvPr>
+        </p:nvCxnSpPr>
+        <p:spPr>
+          <a:xfrm>
+            <a:off x="1207658" y="4474741"/>
+            <a:ext cx="9875520" cy="0"/>
+          </a:xfrm>
+          <a:prstGeom prst="line">
+            <a:avLst/>
+          </a:prstGeom>
+          <a:ln w="12700">
+            <a:solidFill>
+              <a:schemeClr val="tx1">
+                <a:lumMod val="75000"/>
+                <a:lumOff val="25000"/>
+              </a:schemeClr>
+            </a:solidFill>
+          </a:ln>
+        </p:spPr>
+        <p:style>
+          <a:lnRef idx="1">
+            <a:schemeClr val="accent1"/>
+          </a:lnRef>
+          <a:fillRef idx="0">
+            <a:schemeClr val="accent1"/>
+          </a:fillRef>
+          <a:effectRef idx="0">
+            <a:schemeClr val="accent1"/>
+          </a:effectRef>
+          <a:fontRef idx="minor">
+            <a:schemeClr val="tx1"/>
+          </a:fontRef>
+        </p:style>
+      </p:cxnSp>
+      <p:sp useBgFill="1">
+        <p:nvSpPr>
+          <p:cNvPr id="1032" name="Rectangle 76">
+            <a:extLst>
+              <a:ext uri="{FF2B5EF4-FFF2-40B4-BE49-F238E27FC236}">
+                <a16:creationId xmlns:a16="http://schemas.microsoft.com/office/drawing/2014/main" id="{B4D0E555-16F6-44D0-BF56-AF5FF5BDE9D6}"/>
+              </a:ext>
+              <a:ext uri="{C183D7F6-B498-43B3-948B-1728B52AA6E4}">
+                <adec:decorative xmlns:adec="http://schemas.microsoft.com/office/drawing/2017/decorative" val="1"/>
+              </a:ext>
+            </a:extLst>
+          </p:cNvPr>
+          <p:cNvSpPr>
+            <a:spLocks noGrp="1" noRot="1" noChangeAspect="1" noMove="1" noResize="1" noEditPoints="1" noAdjustHandles="1" noChangeArrowheads="1" noChangeShapeType="1" noTextEdit="1"/>
+          </p:cNvSpPr>
+          <p:nvPr>
+            <p:extLst>
+              <p:ext uri="{386F3935-93C4-4BCD-93E2-E3B085C9AB24}">
+                <p16:designElem xmlns:p16="http://schemas.microsoft.com/office/powerpoint/2015/main" val="1"/>
+              </p:ext>
+            </p:extLst>
+          </p:nvPr>
+        </p:nvSpPr>
+        <p:spPr>
+          <a:xfrm>
+            <a:off x="0" y="0"/>
+            <a:ext cx="12192000" cy="6858000"/>
+          </a:xfrm>
+          <a:prstGeom prst="rect">
+            <a:avLst/>
+          </a:prstGeom>
+          <a:ln>
+            <a:noFill/>
+          </a:ln>
+        </p:spPr>
+        <p:style>
+          <a:lnRef idx="2">
+            <a:schemeClr val="accent1">
+              <a:shade val="50000"/>
+            </a:schemeClr>
+          </a:lnRef>
+          <a:fillRef idx="1001">
+            <a:schemeClr val="lt1"/>
+          </a:fillRef>
+          <a:effectRef idx="0">
+            <a:schemeClr val="accent1"/>
+          </a:effectRef>
+          <a:fontRef idx="minor">
+            <a:schemeClr val="lt1"/>
+          </a:fontRef>
+        </p:style>
+        <p:txBody>
+          <a:bodyPr rtlCol="0" anchor="ctr"/>
+          <a:lstStyle/>
+          <a:p>
+            <a:pPr algn="ctr"/>
+            <a:endParaRPr lang="en-US"/>
+          </a:p>
+        </p:txBody>
+      </p:sp>
+      <p:sp>
+        <p:nvSpPr>
+          <p:cNvPr id="1033" name="Rectangle 78">
+            <a:extLst>
+              <a:ext uri="{FF2B5EF4-FFF2-40B4-BE49-F238E27FC236}">
+                <a16:creationId xmlns:a16="http://schemas.microsoft.com/office/drawing/2014/main" id="{8117041D-1A7B-4ECA-AB68-3CFDB6726B8E}"/>
+              </a:ext>
+              <a:ext uri="{C183D7F6-B498-43B3-948B-1728B52AA6E4}">
+                <adec:decorative xmlns:adec="http://schemas.microsoft.com/office/drawing/2017/decorative" val="1"/>
+              </a:ext>
+            </a:extLst>
+          </p:cNvPr>
+          <p:cNvSpPr>
+            <a:spLocks noGrp="1" noRot="1" noChangeAspect="1" noMove="1" noResize="1" noEditPoints="1" noAdjustHandles="1" noChangeArrowheads="1" noChangeShapeType="1" noTextEdit="1"/>
+          </p:cNvSpPr>
+          <p:nvPr>
+            <p:extLst>
+              <p:ext uri="{386F3935-93C4-4BCD-93E2-E3B085C9AB24}">
+                <p16:designElem xmlns:p16="http://schemas.microsoft.com/office/powerpoint/2015/main" val="1"/>
+              </p:ext>
+            </p:extLst>
+          </p:nvPr>
+        </p:nvSpPr>
+        <p:spPr bwMode="white">
+          <a:xfrm>
+            <a:off x="-6220" y="0"/>
+            <a:ext cx="4641314" cy="6858000"/>
+          </a:xfrm>
+          <a:prstGeom prst="rect">
+            <a:avLst/>
+          </a:prstGeom>
+          <a:solidFill>
+            <a:srgbClr val="262626"/>
+          </a:solidFill>
+          <a:ln>
+            <a:noFill/>
+          </a:ln>
+        </p:spPr>
+        <p:style>
+          <a:lnRef idx="2">
+            <a:schemeClr val="accent1">
+              <a:shade val="50000"/>
+            </a:schemeClr>
+          </a:lnRef>
+          <a:fillRef idx="1">
+            <a:schemeClr val="accent1"/>
+          </a:fillRef>
+          <a:effectRef idx="0">
+            <a:schemeClr val="accent1"/>
+          </a:effectRef>
+          <a:fontRef idx="minor">
+            <a:schemeClr val="lt1"/>
+          </a:fontRef>
+        </p:style>
+      </p:sp>
       <p:sp>
         <p:nvSpPr>
           <p:cNvPr id="2" name="Title 1">
@@ -16099,30 +16985,100 @@
         </p:nvSpPr>
         <p:spPr>
           <a:xfrm>
-            <a:off x="1097280" y="988908"/>
-            <a:ext cx="10058400" cy="748452"/>
+            <a:off x="435869" y="640080"/>
+            <a:ext cx="3659246" cy="2862699"/>
           </a:xfrm>
         </p:spPr>
         <p:txBody>
-          <a:bodyPr>
-            <a:normAutofit/>
+          <a:bodyPr vert="horz" lIns="91440" tIns="45720" rIns="91440" bIns="45720" rtlCol="0" anchor="b">
+            <a:normAutofit fontScale="90000"/>
           </a:bodyPr>
           <a:lstStyle/>
           <a:p>
             <a:r>
-              <a:rPr lang="en-US" sz="4000" dirty="0"/>
+              <a:rPr lang="en-US" sz="4100" dirty="0">
+                <a:solidFill>
+                  <a:srgbClr val="FFFFFF"/>
+                </a:solidFill>
+              </a:rPr>
               <a:t>Explore Data/Perform In-depth Analysis </a:t>
             </a:r>
-            <a:endParaRPr lang="en-GB" sz="4000" dirty="0"/>
+            <a:br>
+              <a:rPr lang="en-US" sz="4100" dirty="0">
+                <a:solidFill>
+                  <a:srgbClr val="FFFFFF"/>
+                </a:solidFill>
+              </a:rPr>
+            </a:br>
+            <a:r>
+              <a:rPr lang="en-US" sz="4100" dirty="0">
+                <a:solidFill>
+                  <a:srgbClr val="FFFFFF"/>
+                </a:solidFill>
+              </a:rPr>
+              <a:t>Furniture</a:t>
+            </a:r>
           </a:p>
         </p:txBody>
       </p:sp>
+      <p:cxnSp>
+        <p:nvCxnSpPr>
+          <p:cNvPr id="1034" name="Straight Connector 80">
+            <a:extLst>
+              <a:ext uri="{FF2B5EF4-FFF2-40B4-BE49-F238E27FC236}">
+                <a16:creationId xmlns:a16="http://schemas.microsoft.com/office/drawing/2014/main" id="{ABCD2462-4C1E-401A-AC2D-F799A138B245}"/>
+              </a:ext>
+              <a:ext uri="{C183D7F6-B498-43B3-948B-1728B52AA6E4}">
+                <adec:decorative xmlns:adec="http://schemas.microsoft.com/office/drawing/2017/decorative" val="1"/>
+              </a:ext>
+            </a:extLst>
+          </p:cNvPr>
+          <p:cNvCxnSpPr>
+            <a:cxnSpLocks noGrp="1" noRot="1" noChangeAspect="1" noMove="1" noResize="1" noEditPoints="1" noAdjustHandles="1" noChangeArrowheads="1" noChangeShapeType="1"/>
+          </p:cNvCxnSpPr>
+          <p:nvPr>
+            <p:extLst>
+              <p:ext uri="{386F3935-93C4-4BCD-93E2-E3B085C9AB24}">
+                <p16:designElem xmlns:p16="http://schemas.microsoft.com/office/powerpoint/2015/main" val="1"/>
+              </p:ext>
+            </p:extLst>
+          </p:nvPr>
+        </p:nvCxnSpPr>
+        <p:spPr>
+          <a:xfrm>
+            <a:off x="573852" y="3663649"/>
+            <a:ext cx="3383280" cy="0"/>
+          </a:xfrm>
+          <a:prstGeom prst="line">
+            <a:avLst/>
+          </a:prstGeom>
+          <a:ln w="19050">
+            <a:solidFill>
+              <a:schemeClr val="accent1"/>
+            </a:solidFill>
+          </a:ln>
+        </p:spPr>
+        <p:style>
+          <a:lnRef idx="1">
+            <a:schemeClr val="accent1"/>
+          </a:lnRef>
+          <a:fillRef idx="0">
+            <a:schemeClr val="accent1"/>
+          </a:fillRef>
+          <a:effectRef idx="0">
+            <a:schemeClr val="accent1"/>
+          </a:effectRef>
+          <a:fontRef idx="minor">
+            <a:schemeClr val="tx1"/>
+          </a:fontRef>
+        </p:style>
+      </p:cxnSp>
       <p:pic>
         <p:nvPicPr>
-          <p:cNvPr id="1030" name="Picture 6">
+          <p:cNvPr id="1028" name="Picture 4">
             <a:extLst>
               <a:ext uri="{FF2B5EF4-FFF2-40B4-BE49-F238E27FC236}">
-                <a16:creationId xmlns:a16="http://schemas.microsoft.com/office/drawing/2014/main" id="{1E872509-BFA0-4A6A-9E8B-D8F43EBEC5E3}"/>
+                <a16:creationId xmlns:a16="http://schemas.microsoft.com/office/drawing/2014/main" id="{CD76C536-8305-4660-80EB-E1E0FFBD28A6}"/>
               </a:ext>
             </a:extLst>
           </p:cNvPr>
@@ -16139,62 +17095,14 @@
               </a:ext>
             </a:extLst>
           </a:blip>
-          <a:srcRect/>
           <a:stretch>
             <a:fillRect/>
           </a:stretch>
         </p:blipFill>
         <p:spPr bwMode="auto">
           <a:xfrm>
-            <a:off x="6430966" y="2248813"/>
-            <a:ext cx="5439671" cy="2360372"/>
-          </a:xfrm>
-          <a:prstGeom prst="rect">
-            <a:avLst/>
-          </a:prstGeom>
-          <a:noFill/>
-          <a:extLst>
-            <a:ext uri="{909E8E84-426E-40DD-AFC4-6F175D3DCCD1}">
-              <a14:hiddenFill xmlns:a14="http://schemas.microsoft.com/office/drawing/2010/main">
-                <a:solidFill>
-                  <a:srgbClr val="FFFFFF"/>
-                </a:solidFill>
-              </a14:hiddenFill>
-            </a:ext>
-          </a:extLst>
-        </p:spPr>
-      </p:pic>
-      <p:pic>
-        <p:nvPicPr>
-          <p:cNvPr id="1034" name="Picture 10">
-            <a:extLst>
-              <a:ext uri="{FF2B5EF4-FFF2-40B4-BE49-F238E27FC236}">
-                <a16:creationId xmlns:a16="http://schemas.microsoft.com/office/drawing/2014/main" id="{E460C57C-35DD-474E-931B-B5A92ABE13A0}"/>
-              </a:ext>
-            </a:extLst>
-          </p:cNvPr>
-          <p:cNvPicPr>
-            <a:picLocks noChangeAspect="1" noChangeArrowheads="1"/>
-          </p:cNvPicPr>
-          <p:nvPr/>
-        </p:nvPicPr>
-        <p:blipFill>
-          <a:blip r:embed="rId4">
-            <a:extLst>
-              <a:ext uri="{28A0092B-C50C-407E-A947-70E740481C1C}">
-                <a14:useLocalDpi xmlns:a14="http://schemas.microsoft.com/office/drawing/2010/main" val="0"/>
-              </a:ext>
-            </a:extLst>
-          </a:blip>
-          <a:srcRect/>
-          <a:stretch>
-            <a:fillRect/>
-          </a:stretch>
-        </p:blipFill>
-        <p:spPr bwMode="auto">
-          <a:xfrm>
-            <a:off x="473437" y="2248813"/>
-            <a:ext cx="5439673" cy="2360373"/>
+            <a:off x="5282335" y="1201138"/>
+            <a:ext cx="6275667" cy="4455723"/>
           </a:xfrm>
           <a:prstGeom prst="rect">
             <a:avLst/>
@@ -16225,6 +17133,421 @@
 </file>
 
 <file path=ppt/slides/slide7.xml><?xml version="1.0" encoding="utf-8"?>
+<p:sld xmlns:a="http://schemas.openxmlformats.org/drawingml/2006/main" xmlns:r="http://schemas.openxmlformats.org/officeDocument/2006/relationships" xmlns:p="http://schemas.openxmlformats.org/presentationml/2006/main">
+  <p:cSld>
+    <p:bg>
+      <p:bgPr>
+        <a:solidFill>
+          <a:schemeClr val="bg1"/>
+        </a:solidFill>
+        <a:effectLst/>
+      </p:bgPr>
+    </p:bg>
+    <p:spTree>
+      <p:nvGrpSpPr>
+        <p:cNvPr id="1" name=""/>
+        <p:cNvGrpSpPr/>
+        <p:nvPr/>
+      </p:nvGrpSpPr>
+      <p:grpSpPr>
+        <a:xfrm>
+          <a:off x="0" y="0"/>
+          <a:ext cx="0" cy="0"/>
+          <a:chOff x="0" y="0"/>
+          <a:chExt cx="0" cy="0"/>
+        </a:xfrm>
+      </p:grpSpPr>
+      <p:sp>
+        <p:nvSpPr>
+          <p:cNvPr id="135" name="Rectangle 134">
+            <a:extLst>
+              <a:ext uri="{FF2B5EF4-FFF2-40B4-BE49-F238E27FC236}">
+                <a16:creationId xmlns:a16="http://schemas.microsoft.com/office/drawing/2014/main" id="{39E3965E-AC41-4711-9D10-E25ABB132D86}"/>
+              </a:ext>
+              <a:ext uri="{C183D7F6-B498-43B3-948B-1728B52AA6E4}">
+                <adec:decorative xmlns:adec="http://schemas.microsoft.com/office/drawing/2017/decorative" val="1"/>
+              </a:ext>
+            </a:extLst>
+          </p:cNvPr>
+          <p:cNvSpPr>
+            <a:spLocks noGrp="1" noRot="1" noChangeAspect="1" noMove="1" noResize="1" noEditPoints="1" noAdjustHandles="1" noChangeArrowheads="1" noChangeShapeType="1" noTextEdit="1"/>
+          </p:cNvSpPr>
+          <p:nvPr>
+            <p:extLst>
+              <p:ext uri="{386F3935-93C4-4BCD-93E2-E3B085C9AB24}">
+                <p16:designElem xmlns:p16="http://schemas.microsoft.com/office/powerpoint/2015/main" val="1"/>
+              </p:ext>
+            </p:extLst>
+          </p:nvPr>
+        </p:nvSpPr>
+        <p:spPr>
+          <a:xfrm>
+            <a:off x="3175" y="6400800"/>
+            <a:ext cx="12188825" cy="457200"/>
+          </a:xfrm>
+          <a:prstGeom prst="rect">
+            <a:avLst/>
+          </a:prstGeom>
+          <a:solidFill>
+            <a:srgbClr val="262626"/>
+          </a:solidFill>
+          <a:ln>
+            <a:noFill/>
+          </a:ln>
+        </p:spPr>
+        <p:style>
+          <a:lnRef idx="2">
+            <a:schemeClr val="accent1">
+              <a:shade val="50000"/>
+            </a:schemeClr>
+          </a:lnRef>
+          <a:fillRef idx="1">
+            <a:schemeClr val="accent1"/>
+          </a:fillRef>
+          <a:effectRef idx="0">
+            <a:schemeClr val="accent1"/>
+          </a:effectRef>
+          <a:fontRef idx="minor">
+            <a:schemeClr val="lt1"/>
+          </a:fontRef>
+        </p:style>
+      </p:sp>
+      <p:cxnSp>
+        <p:nvCxnSpPr>
+          <p:cNvPr id="137" name="Straight Connector 136">
+            <a:extLst>
+              <a:ext uri="{FF2B5EF4-FFF2-40B4-BE49-F238E27FC236}">
+                <a16:creationId xmlns:a16="http://schemas.microsoft.com/office/drawing/2014/main" id="{1F5DC8C3-BA5F-4EED-BB9A-A14272BD82A1}"/>
+              </a:ext>
+              <a:ext uri="{C183D7F6-B498-43B3-948B-1728B52AA6E4}">
+                <adec:decorative xmlns:adec="http://schemas.microsoft.com/office/drawing/2017/decorative" val="1"/>
+              </a:ext>
+            </a:extLst>
+          </p:cNvPr>
+          <p:cNvCxnSpPr>
+            <a:cxnSpLocks noGrp="1" noRot="1" noChangeAspect="1" noMove="1" noResize="1" noEditPoints="1" noAdjustHandles="1" noChangeArrowheads="1" noChangeShapeType="1"/>
+          </p:cNvCxnSpPr>
+          <p:nvPr>
+            <p:extLst>
+              <p:ext uri="{386F3935-93C4-4BCD-93E2-E3B085C9AB24}">
+                <p16:designElem xmlns:p16="http://schemas.microsoft.com/office/powerpoint/2015/main" val="1"/>
+              </p:ext>
+            </p:extLst>
+          </p:nvPr>
+        </p:nvCxnSpPr>
+        <p:spPr>
+          <a:xfrm>
+            <a:off x="1207658" y="4474741"/>
+            <a:ext cx="9875520" cy="0"/>
+          </a:xfrm>
+          <a:prstGeom prst="line">
+            <a:avLst/>
+          </a:prstGeom>
+          <a:ln w="12700">
+            <a:solidFill>
+              <a:schemeClr val="tx1">
+                <a:lumMod val="75000"/>
+                <a:lumOff val="25000"/>
+              </a:schemeClr>
+            </a:solidFill>
+          </a:ln>
+        </p:spPr>
+        <p:style>
+          <a:lnRef idx="1">
+            <a:schemeClr val="accent1"/>
+          </a:lnRef>
+          <a:fillRef idx="0">
+            <a:schemeClr val="accent1"/>
+          </a:fillRef>
+          <a:effectRef idx="0">
+            <a:schemeClr val="accent1"/>
+          </a:effectRef>
+          <a:fontRef idx="minor">
+            <a:schemeClr val="tx1"/>
+          </a:fontRef>
+        </p:style>
+      </p:cxnSp>
+      <p:sp useBgFill="1">
+        <p:nvSpPr>
+          <p:cNvPr id="139" name="Rectangle 138">
+            <a:extLst>
+              <a:ext uri="{FF2B5EF4-FFF2-40B4-BE49-F238E27FC236}">
+                <a16:creationId xmlns:a16="http://schemas.microsoft.com/office/drawing/2014/main" id="{B4D0E555-16F6-44D0-BF56-AF5FF5BDE9D6}"/>
+              </a:ext>
+              <a:ext uri="{C183D7F6-B498-43B3-948B-1728B52AA6E4}">
+                <adec:decorative xmlns:adec="http://schemas.microsoft.com/office/drawing/2017/decorative" val="1"/>
+              </a:ext>
+            </a:extLst>
+          </p:cNvPr>
+          <p:cNvSpPr>
+            <a:spLocks noGrp="1" noRot="1" noChangeAspect="1" noMove="1" noResize="1" noEditPoints="1" noAdjustHandles="1" noChangeArrowheads="1" noChangeShapeType="1" noTextEdit="1"/>
+          </p:cNvSpPr>
+          <p:nvPr>
+            <p:extLst>
+              <p:ext uri="{386F3935-93C4-4BCD-93E2-E3B085C9AB24}">
+                <p16:designElem xmlns:p16="http://schemas.microsoft.com/office/powerpoint/2015/main" val="1"/>
+              </p:ext>
+            </p:extLst>
+          </p:nvPr>
+        </p:nvSpPr>
+        <p:spPr>
+          <a:xfrm>
+            <a:off x="0" y="0"/>
+            <a:ext cx="12192000" cy="6858000"/>
+          </a:xfrm>
+          <a:prstGeom prst="rect">
+            <a:avLst/>
+          </a:prstGeom>
+          <a:ln>
+            <a:noFill/>
+          </a:ln>
+        </p:spPr>
+        <p:style>
+          <a:lnRef idx="2">
+            <a:schemeClr val="accent1">
+              <a:shade val="50000"/>
+            </a:schemeClr>
+          </a:lnRef>
+          <a:fillRef idx="1001">
+            <a:schemeClr val="lt1"/>
+          </a:fillRef>
+          <a:effectRef idx="0">
+            <a:schemeClr val="accent1"/>
+          </a:effectRef>
+          <a:fontRef idx="minor">
+            <a:schemeClr val="lt1"/>
+          </a:fontRef>
+        </p:style>
+        <p:txBody>
+          <a:bodyPr rtlCol="0" anchor="ctr"/>
+          <a:lstStyle/>
+          <a:p>
+            <a:pPr algn="ctr"/>
+            <a:endParaRPr lang="en-US"/>
+          </a:p>
+        </p:txBody>
+      </p:sp>
+      <p:sp>
+        <p:nvSpPr>
+          <p:cNvPr id="141" name="Rectangle 140">
+            <a:extLst>
+              <a:ext uri="{FF2B5EF4-FFF2-40B4-BE49-F238E27FC236}">
+                <a16:creationId xmlns:a16="http://schemas.microsoft.com/office/drawing/2014/main" id="{8117041D-1A7B-4ECA-AB68-3CFDB6726B8E}"/>
+              </a:ext>
+              <a:ext uri="{C183D7F6-B498-43B3-948B-1728B52AA6E4}">
+                <adec:decorative xmlns:adec="http://schemas.microsoft.com/office/drawing/2017/decorative" val="1"/>
+              </a:ext>
+            </a:extLst>
+          </p:cNvPr>
+          <p:cNvSpPr>
+            <a:spLocks noGrp="1" noRot="1" noChangeAspect="1" noMove="1" noResize="1" noEditPoints="1" noAdjustHandles="1" noChangeArrowheads="1" noChangeShapeType="1" noTextEdit="1"/>
+          </p:cNvSpPr>
+          <p:nvPr>
+            <p:extLst>
+              <p:ext uri="{386F3935-93C4-4BCD-93E2-E3B085C9AB24}">
+                <p16:designElem xmlns:p16="http://schemas.microsoft.com/office/powerpoint/2015/main" val="1"/>
+              </p:ext>
+            </p:extLst>
+          </p:nvPr>
+        </p:nvSpPr>
+        <p:spPr bwMode="white">
+          <a:xfrm>
+            <a:off x="-6220" y="0"/>
+            <a:ext cx="4641314" cy="6858000"/>
+          </a:xfrm>
+          <a:prstGeom prst="rect">
+            <a:avLst/>
+          </a:prstGeom>
+          <a:solidFill>
+            <a:srgbClr val="262626"/>
+          </a:solidFill>
+          <a:ln>
+            <a:noFill/>
+          </a:ln>
+        </p:spPr>
+        <p:style>
+          <a:lnRef idx="2">
+            <a:schemeClr val="accent1">
+              <a:shade val="50000"/>
+            </a:schemeClr>
+          </a:lnRef>
+          <a:fillRef idx="1">
+            <a:schemeClr val="accent1"/>
+          </a:fillRef>
+          <a:effectRef idx="0">
+            <a:schemeClr val="accent1"/>
+          </a:effectRef>
+          <a:fontRef idx="minor">
+            <a:schemeClr val="lt1"/>
+          </a:fontRef>
+        </p:style>
+      </p:sp>
+      <p:sp>
+        <p:nvSpPr>
+          <p:cNvPr id="2" name="Title 1">
+            <a:extLst>
+              <a:ext uri="{FF2B5EF4-FFF2-40B4-BE49-F238E27FC236}">
+                <a16:creationId xmlns:a16="http://schemas.microsoft.com/office/drawing/2014/main" id="{933072E3-584F-47E2-83DD-5F7FC98B635F}"/>
+              </a:ext>
+            </a:extLst>
+          </p:cNvPr>
+          <p:cNvSpPr>
+            <a:spLocks noGrp="1"/>
+          </p:cNvSpPr>
+          <p:nvPr>
+            <p:ph type="title"/>
+          </p:nvPr>
+        </p:nvSpPr>
+        <p:spPr>
+          <a:xfrm>
+            <a:off x="435869" y="640080"/>
+            <a:ext cx="3659246" cy="2862699"/>
+          </a:xfrm>
+        </p:spPr>
+        <p:txBody>
+          <a:bodyPr vert="horz" lIns="91440" tIns="45720" rIns="91440" bIns="45720" rtlCol="0" anchor="b">
+            <a:normAutofit/>
+          </a:bodyPr>
+          <a:lstStyle/>
+          <a:p>
+            <a:r>
+              <a:rPr lang="en-US" sz="3700" dirty="0">
+                <a:solidFill>
+                  <a:srgbClr val="FFFFFF"/>
+                </a:solidFill>
+              </a:rPr>
+              <a:t>Explore Data/Perform In-depth Analysis </a:t>
+            </a:r>
+            <a:br>
+              <a:rPr lang="en-US" sz="3700" dirty="0">
+                <a:solidFill>
+                  <a:srgbClr val="FFFFFF"/>
+                </a:solidFill>
+              </a:rPr>
+            </a:br>
+            <a:r>
+              <a:rPr lang="en-US" sz="3700" dirty="0">
+                <a:solidFill>
+                  <a:srgbClr val="FFFFFF"/>
+                </a:solidFill>
+              </a:rPr>
+              <a:t>Office Supplies</a:t>
+            </a:r>
+          </a:p>
+        </p:txBody>
+      </p:sp>
+      <p:cxnSp>
+        <p:nvCxnSpPr>
+          <p:cNvPr id="143" name="Straight Connector 142">
+            <a:extLst>
+              <a:ext uri="{FF2B5EF4-FFF2-40B4-BE49-F238E27FC236}">
+                <a16:creationId xmlns:a16="http://schemas.microsoft.com/office/drawing/2014/main" id="{ABCD2462-4C1E-401A-AC2D-F799A138B245}"/>
+              </a:ext>
+              <a:ext uri="{C183D7F6-B498-43B3-948B-1728B52AA6E4}">
+                <adec:decorative xmlns:adec="http://schemas.microsoft.com/office/drawing/2017/decorative" val="1"/>
+              </a:ext>
+            </a:extLst>
+          </p:cNvPr>
+          <p:cNvCxnSpPr>
+            <a:cxnSpLocks noGrp="1" noRot="1" noChangeAspect="1" noMove="1" noResize="1" noEditPoints="1" noAdjustHandles="1" noChangeArrowheads="1" noChangeShapeType="1"/>
+          </p:cNvCxnSpPr>
+          <p:nvPr>
+            <p:extLst>
+              <p:ext uri="{386F3935-93C4-4BCD-93E2-E3B085C9AB24}">
+                <p16:designElem xmlns:p16="http://schemas.microsoft.com/office/powerpoint/2015/main" val="1"/>
+              </p:ext>
+            </p:extLst>
+          </p:nvPr>
+        </p:nvCxnSpPr>
+        <p:spPr>
+          <a:xfrm>
+            <a:off x="573852" y="3663649"/>
+            <a:ext cx="3383280" cy="0"/>
+          </a:xfrm>
+          <a:prstGeom prst="line">
+            <a:avLst/>
+          </a:prstGeom>
+          <a:ln w="19050">
+            <a:solidFill>
+              <a:schemeClr val="accent1"/>
+            </a:solidFill>
+          </a:ln>
+        </p:spPr>
+        <p:style>
+          <a:lnRef idx="1">
+            <a:schemeClr val="accent1"/>
+          </a:lnRef>
+          <a:fillRef idx="0">
+            <a:schemeClr val="accent1"/>
+          </a:fillRef>
+          <a:effectRef idx="0">
+            <a:schemeClr val="accent1"/>
+          </a:effectRef>
+          <a:fontRef idx="minor">
+            <a:schemeClr val="tx1"/>
+          </a:fontRef>
+        </p:style>
+      </p:cxnSp>
+      <p:pic>
+        <p:nvPicPr>
+          <p:cNvPr id="2050" name="Picture 2">
+            <a:extLst>
+              <a:ext uri="{FF2B5EF4-FFF2-40B4-BE49-F238E27FC236}">
+                <a16:creationId xmlns:a16="http://schemas.microsoft.com/office/drawing/2014/main" id="{D0C2ADEE-2B28-46E2-B598-9E7E4530CDE6}"/>
+              </a:ext>
+            </a:extLst>
+          </p:cNvPr>
+          <p:cNvPicPr>
+            <a:picLocks noChangeAspect="1" noChangeArrowheads="1"/>
+          </p:cNvPicPr>
+          <p:nvPr/>
+        </p:nvPicPr>
+        <p:blipFill>
+          <a:blip r:embed="rId3">
+            <a:extLst>
+              <a:ext uri="{28A0092B-C50C-407E-A947-70E740481C1C}">
+                <a14:useLocalDpi xmlns:a14="http://schemas.microsoft.com/office/drawing/2010/main" val="0"/>
+              </a:ext>
+            </a:extLst>
+          </a:blip>
+          <a:stretch>
+            <a:fillRect/>
+          </a:stretch>
+        </p:blipFill>
+        <p:spPr bwMode="auto">
+          <a:xfrm>
+            <a:off x="5282335" y="1201138"/>
+            <a:ext cx="6275667" cy="4455723"/>
+          </a:xfrm>
+          <a:prstGeom prst="rect">
+            <a:avLst/>
+          </a:prstGeom>
+          <a:noFill/>
+          <a:extLst>
+            <a:ext uri="{909E8E84-426E-40DD-AFC4-6F175D3DCCD1}">
+              <a14:hiddenFill xmlns:a14="http://schemas.microsoft.com/office/drawing/2010/main">
+                <a:solidFill>
+                  <a:srgbClr val="FFFFFF"/>
+                </a:solidFill>
+              </a14:hiddenFill>
+            </a:ext>
+          </a:extLst>
+        </p:spPr>
+      </p:pic>
+    </p:spTree>
+    <p:extLst>
+      <p:ext uri="{BB962C8B-B14F-4D97-AF65-F5344CB8AC3E}">
+        <p14:creationId xmlns:p14="http://schemas.microsoft.com/office/powerpoint/2010/main" val="3566865524"/>
+      </p:ext>
+    </p:extLst>
+  </p:cSld>
+  <p:clrMapOvr>
+    <a:masterClrMapping/>
+  </p:clrMapOvr>
+</p:sld>
+</file>
+
+<file path=ppt/slides/slide8.xml><?xml version="1.0" encoding="utf-8"?>
 <p:sld xmlns:a="http://schemas.openxmlformats.org/drawingml/2006/main" xmlns:r="http://schemas.openxmlformats.org/officeDocument/2006/relationships" xmlns:p="http://schemas.openxmlformats.org/presentationml/2006/main">
   <p:cSld>
     <p:spTree>
@@ -16379,7 +17702,7 @@
 </p:sld>
 </file>
 
-<file path=ppt/slides/slide8.xml><?xml version="1.0" encoding="utf-8"?>
+<file path=ppt/slides/slide9.xml><?xml version="1.0" encoding="utf-8"?>
 <p:sld xmlns:a="http://schemas.openxmlformats.org/drawingml/2006/main" xmlns:r="http://schemas.openxmlformats.org/officeDocument/2006/relationships" xmlns:p="http://schemas.openxmlformats.org/presentationml/2006/main">
   <p:cSld>
     <p:spTree>
@@ -16508,7 +17831,7 @@
             </a:pPr>
             <a:r>
               <a:rPr lang="en-US" dirty="0"/>
-              <a:t>Increase of workforce when sales are higher.</a:t>
+              <a:t>Increase of workforce when sales are higher. September, October and December</a:t>
             </a:r>
           </a:p>
           <a:p>
@@ -16534,183 +17857,6 @@
     <p:extLst>
       <p:ext uri="{BB962C8B-B14F-4D97-AF65-F5344CB8AC3E}">
         <p14:creationId xmlns:p14="http://schemas.microsoft.com/office/powerpoint/2010/main" val="725028479"/>
-      </p:ext>
-    </p:extLst>
-  </p:cSld>
-  <p:clrMapOvr>
-    <a:masterClrMapping/>
-  </p:clrMapOvr>
-</p:sld>
-</file>
-
-<file path=ppt/slides/slide9.xml><?xml version="1.0" encoding="utf-8"?>
-<p:sld xmlns:a="http://schemas.openxmlformats.org/drawingml/2006/main" xmlns:r="http://schemas.openxmlformats.org/officeDocument/2006/relationships" xmlns:p="http://schemas.openxmlformats.org/presentationml/2006/main">
-  <p:cSld>
-    <p:spTree>
-      <p:nvGrpSpPr>
-        <p:cNvPr id="1" name=""/>
-        <p:cNvGrpSpPr/>
-        <p:nvPr/>
-      </p:nvGrpSpPr>
-      <p:grpSpPr>
-        <a:xfrm>
-          <a:off x="0" y="0"/>
-          <a:ext cx="0" cy="0"/>
-          <a:chOff x="0" y="0"/>
-          <a:chExt cx="0" cy="0"/>
-        </a:xfrm>
-      </p:grpSpPr>
-      <p:sp>
-        <p:nvSpPr>
-          <p:cNvPr id="2" name="Title 1">
-            <a:extLst>
-              <a:ext uri="{FF2B5EF4-FFF2-40B4-BE49-F238E27FC236}">
-                <a16:creationId xmlns:a16="http://schemas.microsoft.com/office/drawing/2014/main" id="{569847AF-1375-44F4-8D17-040F495719C5}"/>
-              </a:ext>
-            </a:extLst>
-          </p:cNvPr>
-          <p:cNvSpPr>
-            <a:spLocks noGrp="1"/>
-          </p:cNvSpPr>
-          <p:nvPr>
-            <p:ph type="title"/>
-          </p:nvPr>
-        </p:nvSpPr>
-        <p:spPr/>
-        <p:txBody>
-          <a:bodyPr>
-            <a:normAutofit/>
-          </a:bodyPr>
-          <a:lstStyle/>
-          <a:p>
-            <a:r>
-              <a:rPr lang="en-US" sz="4000" dirty="0"/>
-              <a:t>Recommendations – Office  Supplies</a:t>
-            </a:r>
-            <a:endParaRPr lang="en-GB" sz="4000" dirty="0"/>
-          </a:p>
-        </p:txBody>
-      </p:sp>
-      <p:pic>
-        <p:nvPicPr>
-          <p:cNvPr id="4" name="Picture 5">
-            <a:extLst>
-              <a:ext uri="{FF2B5EF4-FFF2-40B4-BE49-F238E27FC236}">
-                <a16:creationId xmlns:a16="http://schemas.microsoft.com/office/drawing/2014/main" id="{10D70576-09E2-406E-A732-EA97526424FF}"/>
-              </a:ext>
-            </a:extLst>
-          </p:cNvPr>
-          <p:cNvPicPr>
-            <a:picLocks noChangeAspect="1" noChangeArrowheads="1"/>
-          </p:cNvPicPr>
-          <p:nvPr/>
-        </p:nvPicPr>
-        <p:blipFill>
-          <a:blip r:embed="rId3">
-            <a:extLst>
-              <a:ext uri="{28A0092B-C50C-407E-A947-70E740481C1C}">
-                <a14:useLocalDpi xmlns:a14="http://schemas.microsoft.com/office/drawing/2010/main" val="0"/>
-              </a:ext>
-            </a:extLst>
-          </a:blip>
-          <a:srcRect/>
-          <a:stretch>
-            <a:fillRect/>
-          </a:stretch>
-        </p:blipFill>
-        <p:spPr bwMode="auto">
-          <a:xfrm>
-            <a:off x="1097280" y="2506068"/>
-            <a:ext cx="5104996" cy="3168868"/>
-          </a:xfrm>
-          <a:prstGeom prst="rect">
-            <a:avLst/>
-          </a:prstGeom>
-          <a:noFill/>
-          <a:extLst>
-            <a:ext uri="{909E8E84-426E-40DD-AFC4-6F175D3DCCD1}">
-              <a14:hiddenFill xmlns:a14="http://schemas.microsoft.com/office/drawing/2010/main">
-                <a:solidFill>
-                  <a:srgbClr val="FFFFFF"/>
-                </a:solidFill>
-              </a14:hiddenFill>
-            </a:ext>
-          </a:extLst>
-        </p:spPr>
-      </p:pic>
-      <p:sp>
-        <p:nvSpPr>
-          <p:cNvPr id="6" name="TextBox 5">
-            <a:extLst>
-              <a:ext uri="{FF2B5EF4-FFF2-40B4-BE49-F238E27FC236}">
-                <a16:creationId xmlns:a16="http://schemas.microsoft.com/office/drawing/2014/main" id="{8CA630D4-D4D7-413A-AD53-9E4D901545F7}"/>
-              </a:ext>
-            </a:extLst>
-          </p:cNvPr>
-          <p:cNvSpPr txBox="1"/>
-          <p:nvPr/>
-        </p:nvSpPr>
-        <p:spPr>
-          <a:xfrm>
-            <a:off x="6372979" y="2936340"/>
-            <a:ext cx="4625553" cy="2308324"/>
-          </a:xfrm>
-          <a:prstGeom prst="rect">
-            <a:avLst/>
-          </a:prstGeom>
-          <a:noFill/>
-        </p:spPr>
-        <p:txBody>
-          <a:bodyPr wrap="square" rtlCol="0">
-            <a:spAutoFit/>
-          </a:bodyPr>
-          <a:lstStyle/>
-          <a:p>
-            <a:pPr marL="285750" indent="-285750">
-              <a:buFont typeface="Wingdings" panose="05000000000000000000" pitchFamily="2" charset="2"/>
-              <a:buChar char="q"/>
-            </a:pPr>
-            <a:r>
-              <a:rPr lang="en-US" dirty="0"/>
-              <a:t>Increase of workforce when sales are higher, October and December.</a:t>
-            </a:r>
-          </a:p>
-          <a:p>
-            <a:endParaRPr lang="en-US" dirty="0"/>
-          </a:p>
-          <a:p>
-            <a:pPr marL="285750" indent="-285750">
-              <a:buFont typeface="Wingdings" panose="05000000000000000000" pitchFamily="2" charset="2"/>
-              <a:buChar char="q"/>
-            </a:pPr>
-            <a:r>
-              <a:rPr lang="en-US" dirty="0"/>
-              <a:t>Increase of stock before the high-sales months, August to September</a:t>
-            </a:r>
-          </a:p>
-          <a:p>
-            <a:endParaRPr lang="en-US" dirty="0"/>
-          </a:p>
-          <a:p>
-            <a:pPr marL="285750" indent="-285750">
-              <a:buFont typeface="Wingdings" panose="05000000000000000000" pitchFamily="2" charset="2"/>
-              <a:buChar char="q"/>
-            </a:pPr>
-            <a:r>
-              <a:rPr lang="en-US" dirty="0"/>
-              <a:t>Maintain a minimum number of employees</a:t>
-            </a:r>
-            <a:br>
-              <a:rPr lang="en-US" dirty="0"/>
-            </a:br>
-            <a:endParaRPr lang="en-GB" dirty="0"/>
-          </a:p>
-        </p:txBody>
-      </p:sp>
-    </p:spTree>
-    <p:extLst>
-      <p:ext uri="{BB962C8B-B14F-4D97-AF65-F5344CB8AC3E}">
-        <p14:creationId xmlns:p14="http://schemas.microsoft.com/office/powerpoint/2010/main" val="3224079500"/>
       </p:ext>
     </p:extLst>
   </p:cSld>
@@ -17583,9 +18729,16 @@
 <file path=customXml/itemProps1.xml><?xml version="1.0" encoding="utf-8"?>
 <ds:datastoreItem xmlns:ds="http://schemas.openxmlformats.org/officeDocument/2006/customXml" ds:itemID="{A03EEFF0-FB57-4CB4-8BFC-DF397689E2ED}">
   <ds:schemaRefs>
+    <ds:schemaRef ds:uri="http://www.w3.org/XML/1998/namespace"/>
     <ds:schemaRef ds:uri="http://schemas.microsoft.com/office/2006/metadata/properties"/>
+    <ds:schemaRef ds:uri="http://purl.org/dc/elements/1.1/"/>
     <ds:schemaRef ds:uri="http://schemas.microsoft.com/office/infopath/2007/PartnerControls"/>
+    <ds:schemaRef ds:uri="http://purl.org/dc/terms/"/>
+    <ds:schemaRef ds:uri="http://schemas.microsoft.com/office/2006/documentManagement/types"/>
+    <ds:schemaRef ds:uri="http://schemas.openxmlformats.org/package/2006/metadata/core-properties"/>
+    <ds:schemaRef ds:uri="16c05727-aa75-4e4a-9b5f-8a80a1165891"/>
     <ds:schemaRef ds:uri="71af3243-3dd4-4a8d-8c0d-dd76da1f02a5"/>
+    <ds:schemaRef ds:uri="http://purl.org/dc/dcmitype/"/>
   </ds:schemaRefs>
 </ds:datastoreItem>
 </file>
